--- a/Pattern Recognition.pptx
+++ b/Pattern Recognition.pptx
@@ -12,6 +12,9 @@
     <p:sldId id="260" r:id="rId6"/>
     <p:sldId id="261" r:id="rId7"/>
     <p:sldId id="262" r:id="rId8"/>
+    <p:sldId id="265" r:id="rId9"/>
+    <p:sldId id="264" r:id="rId10"/>
+    <p:sldId id="266" r:id="rId11"/>
   </p:sldIdLst>
   <p:sldSz cx="12192000" cy="6858000"/>
   <p:notesSz cx="6858000" cy="9144000"/>
@@ -344,7 +347,7 @@
           <a:p>
             <a:fld id="{8946D533-668F-4ACE-BA3C-737E2059C93F}" type="datetimeFigureOut">
               <a:rPr lang="it-IT" smtClean="0"/>
-              <a:t>24/04/2020</a:t>
+              <a:t>11/05/2020</a:t>
             </a:fld>
             <a:endParaRPr lang="it-IT"/>
           </a:p>
@@ -552,7 +555,7 @@
           <a:p>
             <a:fld id="{8946D533-668F-4ACE-BA3C-737E2059C93F}" type="datetimeFigureOut">
               <a:rPr lang="it-IT" smtClean="0"/>
-              <a:t>24/04/2020</a:t>
+              <a:t>11/05/2020</a:t>
             </a:fld>
             <a:endParaRPr lang="it-IT"/>
           </a:p>
@@ -808,7 +811,7 @@
           <a:p>
             <a:fld id="{8946D533-668F-4ACE-BA3C-737E2059C93F}" type="datetimeFigureOut">
               <a:rPr lang="it-IT" smtClean="0"/>
-              <a:t>24/04/2020</a:t>
+              <a:t>11/05/2020</a:t>
             </a:fld>
             <a:endParaRPr lang="it-IT"/>
           </a:p>
@@ -982,7 +985,7 @@
           <a:p>
             <a:fld id="{8946D533-668F-4ACE-BA3C-737E2059C93F}" type="datetimeFigureOut">
               <a:rPr lang="it-IT" smtClean="0"/>
-              <a:t>24/04/2020</a:t>
+              <a:t>11/05/2020</a:t>
             </a:fld>
             <a:endParaRPr lang="it-IT"/>
           </a:p>
@@ -1325,7 +1328,7 @@
           <a:p>
             <a:fld id="{8946D533-668F-4ACE-BA3C-737E2059C93F}" type="datetimeFigureOut">
               <a:rPr lang="it-IT" smtClean="0"/>
-              <a:t>24/04/2020</a:t>
+              <a:t>11/05/2020</a:t>
             </a:fld>
             <a:endParaRPr lang="it-IT"/>
           </a:p>
@@ -1600,7 +1603,7 @@
           <a:p>
             <a:fld id="{8946D533-668F-4ACE-BA3C-737E2059C93F}" type="datetimeFigureOut">
               <a:rPr lang="it-IT" smtClean="0"/>
-              <a:t>24/04/2020</a:t>
+              <a:t>11/05/2020</a:t>
             </a:fld>
             <a:endParaRPr lang="it-IT"/>
           </a:p>
@@ -1979,7 +1982,7 @@
           <a:p>
             <a:fld id="{8946D533-668F-4ACE-BA3C-737E2059C93F}" type="datetimeFigureOut">
               <a:rPr lang="it-IT" smtClean="0"/>
-              <a:t>24/04/2020</a:t>
+              <a:t>11/05/2020</a:t>
             </a:fld>
             <a:endParaRPr lang="it-IT"/>
           </a:p>
@@ -2097,7 +2100,7 @@
           <a:p>
             <a:fld id="{8946D533-668F-4ACE-BA3C-737E2059C93F}" type="datetimeFigureOut">
               <a:rPr lang="it-IT" smtClean="0"/>
-              <a:t>24/04/2020</a:t>
+              <a:t>11/05/2020</a:t>
             </a:fld>
             <a:endParaRPr lang="it-IT"/>
           </a:p>
@@ -2268,7 +2271,7 @@
           <a:p>
             <a:fld id="{8946D533-668F-4ACE-BA3C-737E2059C93F}" type="datetimeFigureOut">
               <a:rPr lang="it-IT" smtClean="0"/>
-              <a:t>24/04/2020</a:t>
+              <a:t>11/05/2020</a:t>
             </a:fld>
             <a:endParaRPr lang="it-IT"/>
           </a:p>
@@ -2622,7 +2625,7 @@
           <a:p>
             <a:fld id="{8946D533-668F-4ACE-BA3C-737E2059C93F}" type="datetimeFigureOut">
               <a:rPr lang="it-IT" smtClean="0"/>
-              <a:t>24/04/2020</a:t>
+              <a:t>11/05/2020</a:t>
             </a:fld>
             <a:endParaRPr lang="it-IT"/>
           </a:p>
@@ -3004,7 +3007,7 @@
           <a:p>
             <a:fld id="{8946D533-668F-4ACE-BA3C-737E2059C93F}" type="datetimeFigureOut">
               <a:rPr lang="it-IT" smtClean="0"/>
-              <a:t>24/04/2020</a:t>
+              <a:t>11/05/2020</a:t>
             </a:fld>
             <a:endParaRPr lang="it-IT"/>
           </a:p>
@@ -3291,7 +3294,7 @@
           <a:p>
             <a:fld id="{8946D533-668F-4ACE-BA3C-737E2059C93F}" type="datetimeFigureOut">
               <a:rPr lang="it-IT" smtClean="0"/>
-              <a:t>24/04/2020</a:t>
+              <a:t>11/05/2020</a:t>
             </a:fld>
             <a:endParaRPr lang="it-IT"/>
           </a:p>
@@ -3913,6 +3916,72 @@
 </p:sld>
 </file>
 
+<file path=ppt/slides/slide10.xml><?xml version="1.0" encoding="utf-8"?>
+<p:sld xmlns:a="http://schemas.openxmlformats.org/drawingml/2006/main" xmlns:r="http://schemas.openxmlformats.org/officeDocument/2006/relationships" xmlns:p="http://schemas.openxmlformats.org/presentationml/2006/main">
+  <p:cSld>
+    <p:spTree>
+      <p:nvGrpSpPr>
+        <p:cNvPr id="1" name=""/>
+        <p:cNvGrpSpPr/>
+        <p:nvPr/>
+      </p:nvGrpSpPr>
+      <p:grpSpPr>
+        <a:xfrm>
+          <a:off x="0" y="0"/>
+          <a:ext cx="0" cy="0"/>
+          <a:chOff x="0" y="0"/>
+          <a:chExt cx="0" cy="0"/>
+        </a:xfrm>
+      </p:grpSpPr>
+      <p:pic>
+        <p:nvPicPr>
+          <p:cNvPr id="5" name="Immagine 4" descr="Immagine che contiene testo, mappa&#10;&#10;Descrizione generata automaticamente">
+            <a:extLst>
+              <a:ext uri="{FF2B5EF4-FFF2-40B4-BE49-F238E27FC236}">
+                <a16:creationId xmlns:a16="http://schemas.microsoft.com/office/drawing/2014/main" id="{E309AA06-BC0F-4973-AACA-2C8691C2DDE9}"/>
+              </a:ext>
+            </a:extLst>
+          </p:cNvPr>
+          <p:cNvPicPr>
+            <a:picLocks noChangeAspect="1"/>
+          </p:cNvPicPr>
+          <p:nvPr/>
+        </p:nvPicPr>
+        <p:blipFill>
+          <a:blip r:embed="rId2">
+            <a:extLst>
+              <a:ext uri="{28A0092B-C50C-407E-A947-70E740481C1C}">
+                <a14:useLocalDpi xmlns:a14="http://schemas.microsoft.com/office/drawing/2010/main" val="0"/>
+              </a:ext>
+            </a:extLst>
+          </a:blip>
+          <a:stretch>
+            <a:fillRect/>
+          </a:stretch>
+        </p:blipFill>
+        <p:spPr>
+          <a:xfrm>
+            <a:off x="0" y="0"/>
+            <a:ext cx="12192000" cy="6858000"/>
+          </a:xfrm>
+          <a:prstGeom prst="rect">
+            <a:avLst/>
+          </a:prstGeom>
+        </p:spPr>
+      </p:pic>
+    </p:spTree>
+    <p:extLst>
+      <p:ext uri="{BB962C8B-B14F-4D97-AF65-F5344CB8AC3E}">
+        <p14:creationId xmlns:p14="http://schemas.microsoft.com/office/powerpoint/2010/main" val="2209738489"/>
+      </p:ext>
+    </p:extLst>
+  </p:cSld>
+  <p:clrMapOvr>
+    <a:masterClrMapping/>
+  </p:clrMapOvr>
+</p:sld>
+</file>
+
 <file path=ppt/slides/slide2.xml><?xml version="1.0" encoding="utf-8"?>
 <p:sld xmlns:a="http://schemas.openxmlformats.org/drawingml/2006/main" xmlns:r="http://schemas.openxmlformats.org/officeDocument/2006/relationships" xmlns:p="http://schemas.openxmlformats.org/presentationml/2006/main">
   <p:cSld>
@@ -4428,713 +4497,692 @@
           </a:p>
         </p:txBody>
       </p:sp>
-      <p:grpSp>
-        <p:nvGrpSpPr>
-          <p:cNvPr id="3" name="Gruppo 2">
+      <p:sp>
+        <p:nvSpPr>
+          <p:cNvPr id="4" name="Rettangolo con angoli arrotondati 3">
             <a:extLst>
               <a:ext uri="{FF2B5EF4-FFF2-40B4-BE49-F238E27FC236}">
-                <a16:creationId xmlns:a16="http://schemas.microsoft.com/office/drawing/2014/main" id="{62A5190E-D68C-476C-A202-5F21E2FBA16B}"/>
+                <a16:creationId xmlns:a16="http://schemas.microsoft.com/office/drawing/2014/main" id="{CC46E7FB-F194-49AE-BF89-A43CEA63859B}"/>
               </a:ext>
             </a:extLst>
           </p:cNvPr>
-          <p:cNvGrpSpPr/>
+          <p:cNvSpPr/>
           <p:nvPr/>
-        </p:nvGrpSpPr>
-        <p:grpSpPr>
+        </p:nvSpPr>
+        <p:spPr>
           <a:xfrm>
-            <a:off x="963822" y="2309443"/>
-            <a:ext cx="10364086" cy="3365195"/>
-            <a:chOff x="1097280" y="2095130"/>
-            <a:chExt cx="10364086" cy="3365195"/>
+            <a:off x="1189315" y="2309443"/>
+            <a:ext cx="2512381" cy="807868"/>
           </a:xfrm>
-        </p:grpSpPr>
-        <p:sp>
-          <p:nvSpPr>
-            <p:cNvPr id="4" name="Rettangolo con angoli arrotondati 3">
-              <a:extLst>
-                <a:ext uri="{FF2B5EF4-FFF2-40B4-BE49-F238E27FC236}">
-                  <a16:creationId xmlns:a16="http://schemas.microsoft.com/office/drawing/2014/main" id="{CC46E7FB-F194-49AE-BF89-A43CEA63859B}"/>
-                </a:ext>
-              </a:extLst>
-            </p:cNvPr>
-            <p:cNvSpPr/>
-            <p:nvPr/>
-          </p:nvSpPr>
-          <p:spPr>
-            <a:xfrm>
-              <a:off x="1322773" y="2095130"/>
-              <a:ext cx="2512381" cy="807868"/>
-            </a:xfrm>
-            <a:prstGeom prst="roundRect">
-              <a:avLst/>
-            </a:prstGeom>
-            <a:noFill/>
-            <a:ln w="57150">
-              <a:solidFill>
-                <a:schemeClr val="accent1"/>
-              </a:solidFill>
-            </a:ln>
-          </p:spPr>
-          <p:style>
-            <a:lnRef idx="2">
-              <a:schemeClr val="accent1">
-                <a:shade val="50000"/>
-              </a:schemeClr>
-            </a:lnRef>
-            <a:fillRef idx="1">
+          <a:prstGeom prst="roundRect">
+            <a:avLst/>
+          </a:prstGeom>
+          <a:noFill/>
+          <a:ln w="57150">
+            <a:solidFill>
               <a:schemeClr val="accent1"/>
-            </a:fillRef>
-            <a:effectRef idx="0">
+            </a:solidFill>
+          </a:ln>
+        </p:spPr>
+        <p:style>
+          <a:lnRef idx="2">
+            <a:schemeClr val="accent1">
+              <a:shade val="50000"/>
+            </a:schemeClr>
+          </a:lnRef>
+          <a:fillRef idx="1">
+            <a:schemeClr val="accent1"/>
+          </a:fillRef>
+          <a:effectRef idx="0">
+            <a:schemeClr val="accent1"/>
+          </a:effectRef>
+          <a:fontRef idx="minor">
+            <a:schemeClr val="lt1"/>
+          </a:fontRef>
+        </p:style>
+        <p:txBody>
+          <a:bodyPr rtlCol="0" anchor="ctr"/>
+          <a:lstStyle/>
+          <a:p>
+            <a:pPr algn="ctr"/>
+            <a:endParaRPr lang="en-GB"/>
+          </a:p>
+        </p:txBody>
+      </p:sp>
+      <p:sp>
+        <p:nvSpPr>
+          <p:cNvPr id="5" name="CasellaDiTesto 4">
+            <a:extLst>
+              <a:ext uri="{FF2B5EF4-FFF2-40B4-BE49-F238E27FC236}">
+                <a16:creationId xmlns:a16="http://schemas.microsoft.com/office/drawing/2014/main" id="{7E34CD01-49AA-4CB1-AF62-CFF07A0BFC26}"/>
+              </a:ext>
+            </a:extLst>
+          </p:cNvPr>
+          <p:cNvSpPr txBox="1"/>
+          <p:nvPr/>
+        </p:nvSpPr>
+        <p:spPr>
+          <a:xfrm>
+            <a:off x="1395441" y="2513322"/>
+            <a:ext cx="2100127" cy="400110"/>
+          </a:xfrm>
+          <a:prstGeom prst="rect">
+            <a:avLst/>
+          </a:prstGeom>
+          <a:noFill/>
+        </p:spPr>
+        <p:txBody>
+          <a:bodyPr wrap="none" rtlCol="0">
+            <a:spAutoFit/>
+          </a:bodyPr>
+          <a:lstStyle/>
+          <a:p>
+            <a:r>
+              <a:rPr lang="it-IT" sz="2000" dirty="0" err="1"/>
+              <a:t>Correlation</a:t>
+            </a:r>
+            <a:r>
+              <a:rPr lang="it-IT" sz="2000" dirty="0"/>
+              <a:t> Matrix</a:t>
+            </a:r>
+          </a:p>
+        </p:txBody>
+      </p:sp>
+      <mc:AlternateContent xmlns:mc="http://schemas.openxmlformats.org/markup-compatibility/2006" xmlns:a14="http://schemas.microsoft.com/office/drawing/2010/main">
+        <mc:Choice Requires="a14">
+          <p:sp>
+            <p:nvSpPr>
+              <p:cNvPr id="6" name="CasellaDiTesto 5">
+                <a:extLst>
+                  <a:ext uri="{FF2B5EF4-FFF2-40B4-BE49-F238E27FC236}">
+                    <a16:creationId xmlns:a16="http://schemas.microsoft.com/office/drawing/2014/main" id="{F47C9622-A471-4237-86A7-A672158A88F6}"/>
+                  </a:ext>
+                </a:extLst>
+              </p:cNvPr>
+              <p:cNvSpPr txBox="1"/>
+              <p:nvPr/>
+            </p:nvSpPr>
+            <p:spPr>
+              <a:xfrm>
+                <a:off x="963822" y="3643313"/>
+                <a:ext cx="3314922" cy="1477328"/>
+              </a:xfrm>
+              <a:prstGeom prst="rect">
+                <a:avLst/>
+              </a:prstGeom>
+              <a:noFill/>
+            </p:spPr>
+            <p:txBody>
+              <a:bodyPr wrap="square" rtlCol="0">
+                <a:spAutoFit/>
+              </a:bodyPr>
+              <a:lstStyle/>
+              <a:p>
+                <a:pPr marL="285750" indent="-285750" algn="just">
+                  <a:buFont typeface="Arial" panose="020B0604020202020204" pitchFamily="34" charset="0"/>
+                  <a:buChar char="•"/>
+                </a:pPr>
+                <a:r>
+                  <a:rPr lang="it-IT" dirty="0" err="1"/>
+                  <a:t>Pearson's</a:t>
+                </a:r>
+                <a:r>
+                  <a:rPr lang="it-IT" dirty="0"/>
+                  <a:t> </a:t>
+                </a:r>
+                <a:r>
+                  <a:rPr lang="it-IT" dirty="0" err="1"/>
+                  <a:t>correlation</a:t>
+                </a:r>
+                <a:endParaRPr lang="it-IT" dirty="0"/>
+              </a:p>
+              <a:p>
+                <a:pPr marL="285750" indent="-285750" algn="just">
+                  <a:buFont typeface="Arial" panose="020B0604020202020204" pitchFamily="34" charset="0"/>
+                  <a:buChar char="•"/>
+                </a:pPr>
+                <a:r>
+                  <a:rPr lang="it-IT" dirty="0"/>
+                  <a:t>Custom </a:t>
+                </a:r>
+                <a:r>
+                  <a:rPr lang="it-IT" dirty="0" err="1"/>
+                  <a:t>correlation</a:t>
+                </a:r>
+                <a:r>
+                  <a:rPr lang="it-IT" dirty="0"/>
+                  <a:t> </a:t>
+                </a:r>
+                <a:r>
+                  <a:rPr lang="it-IT" dirty="0" err="1"/>
+                  <a:t>Threshold</a:t>
+                </a:r>
+                <a:endParaRPr lang="it-IT" dirty="0"/>
+              </a:p>
+              <a:p>
+                <a:pPr marL="285750" indent="-285750" algn="just">
+                  <a:buFont typeface="Arial" panose="020B0604020202020204" pitchFamily="34" charset="0"/>
+                  <a:buChar char="•"/>
+                </a:pPr>
+                <a:r>
+                  <a:rPr lang="it-IT" dirty="0"/>
+                  <a:t>Features </a:t>
+                </a:r>
+                <a:r>
+                  <a:rPr lang="it-IT" dirty="0" err="1"/>
+                  <a:t>reduced</a:t>
+                </a:r>
+                <a:r>
+                  <a:rPr lang="it-IT" dirty="0"/>
+                  <a:t> to </a:t>
+                </a:r>
+                <a14:m>
+                  <m:oMath xmlns:m="http://schemas.openxmlformats.org/officeDocument/2006/math">
+                    <m:r>
+                      <a:rPr lang="it-IT" i="1" smtClean="0">
+                        <a:latin typeface="Cambria Math" panose="02040503050406030204" pitchFamily="18" charset="0"/>
+                        <a:ea typeface="Cambria Math" panose="02040503050406030204" pitchFamily="18" charset="0"/>
+                      </a:rPr>
+                      <m:t>~</m:t>
+                    </m:r>
+                  </m:oMath>
+                </a14:m>
+                <a:r>
+                  <a:rPr lang="it-IT" dirty="0"/>
+                  <a:t> </a:t>
+                </a:r>
+                <a:r>
+                  <a:rPr lang="en-GB" dirty="0"/>
+                  <a:t> 50 (default threshold)</a:t>
+                </a:r>
+              </a:p>
+              <a:p>
+                <a:pPr marL="285750" indent="-285750" algn="just">
+                  <a:buFont typeface="Arial" panose="020B0604020202020204" pitchFamily="34" charset="0"/>
+                  <a:buChar char="•"/>
+                </a:pPr>
+                <a:r>
+                  <a:rPr lang="en-GB" dirty="0"/>
+                  <a:t>List of correlated features</a:t>
+                </a:r>
+              </a:p>
+            </p:txBody>
+          </p:sp>
+        </mc:Choice>
+        <mc:Fallback xmlns="">
+          <p:sp>
+            <p:nvSpPr>
+              <p:cNvPr id="6" name="CasellaDiTesto 5">
+                <a:extLst>
+                  <a:ext uri="{FF2B5EF4-FFF2-40B4-BE49-F238E27FC236}">
+                    <a16:creationId xmlns:a16="http://schemas.microsoft.com/office/drawing/2014/main" id="{F47C9622-A471-4237-86A7-A672158A88F6}"/>
+                  </a:ext>
+                </a:extLst>
+              </p:cNvPr>
+              <p:cNvSpPr txBox="1">
+                <a:spLocks noRot="1" noChangeAspect="1" noMove="1" noResize="1" noEditPoints="1" noAdjustHandles="1" noChangeArrowheads="1" noChangeShapeType="1" noTextEdit="1"/>
+              </p:cNvSpPr>
+              <p:nvPr/>
+            </p:nvSpPr>
+            <p:spPr>
+              <a:xfrm>
+                <a:off x="963822" y="3643313"/>
+                <a:ext cx="3314922" cy="1477328"/>
+              </a:xfrm>
+              <a:prstGeom prst="rect">
+                <a:avLst/>
+              </a:prstGeom>
+              <a:blipFill>
+                <a:blip r:embed="rId2"/>
+                <a:stretch>
+                  <a:fillRect l="-1103" t="-2479" r="-1654" b="-5785"/>
+                </a:stretch>
+              </a:blipFill>
+            </p:spPr>
+            <p:txBody>
+              <a:bodyPr/>
+              <a:lstStyle/>
+              <a:p>
+                <a:r>
+                  <a:rPr lang="en-GB">
+                    <a:noFill/>
+                  </a:rPr>
+                  <a:t> </a:t>
+                </a:r>
+              </a:p>
+            </p:txBody>
+          </p:sp>
+        </mc:Fallback>
+      </mc:AlternateContent>
+      <p:sp>
+        <p:nvSpPr>
+          <p:cNvPr id="7" name="Rettangolo con angoli arrotondati 6">
+            <a:extLst>
+              <a:ext uri="{FF2B5EF4-FFF2-40B4-BE49-F238E27FC236}">
+                <a16:creationId xmlns:a16="http://schemas.microsoft.com/office/drawing/2014/main" id="{ADF4E2E8-86AF-4F75-A6BC-D6C5FFBC4006}"/>
+              </a:ext>
+            </a:extLst>
+          </p:cNvPr>
+          <p:cNvSpPr/>
+          <p:nvPr/>
+        </p:nvSpPr>
+        <p:spPr>
+          <a:xfrm>
+            <a:off x="4917935" y="2309443"/>
+            <a:ext cx="2512381" cy="807868"/>
+          </a:xfrm>
+          <a:prstGeom prst="roundRect">
+            <a:avLst/>
+          </a:prstGeom>
+          <a:noFill/>
+          <a:ln w="57150">
+            <a:solidFill>
               <a:schemeClr val="accent1"/>
-            </a:effectRef>
-            <a:fontRef idx="minor">
-              <a:schemeClr val="lt1"/>
-            </a:fontRef>
-          </p:style>
-          <p:txBody>
-            <a:bodyPr rtlCol="0" anchor="ctr"/>
-            <a:lstStyle/>
-            <a:p>
-              <a:pPr algn="ctr"/>
-              <a:endParaRPr lang="en-GB"/>
-            </a:p>
-          </p:txBody>
-        </p:sp>
-        <p:sp>
-          <p:nvSpPr>
-            <p:cNvPr id="5" name="CasellaDiTesto 4">
-              <a:extLst>
-                <a:ext uri="{FF2B5EF4-FFF2-40B4-BE49-F238E27FC236}">
-                  <a16:creationId xmlns:a16="http://schemas.microsoft.com/office/drawing/2014/main" id="{7E34CD01-49AA-4CB1-AF62-CFF07A0BFC26}"/>
-                </a:ext>
-              </a:extLst>
-            </p:cNvPr>
-            <p:cNvSpPr txBox="1"/>
-            <p:nvPr/>
-          </p:nvSpPr>
-          <p:spPr>
-            <a:xfrm>
-              <a:off x="1528899" y="2299009"/>
-              <a:ext cx="2100127" cy="400110"/>
-            </a:xfrm>
-            <a:prstGeom prst="rect">
-              <a:avLst/>
-            </a:prstGeom>
-            <a:noFill/>
-          </p:spPr>
-          <p:txBody>
-            <a:bodyPr wrap="none" rtlCol="0">
-              <a:spAutoFit/>
-            </a:bodyPr>
-            <a:lstStyle/>
-            <a:p>
-              <a:r>
-                <a:rPr lang="it-IT" sz="2000" dirty="0" err="1"/>
-                <a:t>Correlation</a:t>
-              </a:r>
-              <a:r>
-                <a:rPr lang="it-IT" sz="2000" dirty="0"/>
-                <a:t> Matrix</a:t>
-              </a:r>
-            </a:p>
-          </p:txBody>
-        </p:sp>
-        <mc:AlternateContent xmlns:mc="http://schemas.openxmlformats.org/markup-compatibility/2006" xmlns:a14="http://schemas.microsoft.com/office/drawing/2010/main">
-          <mc:Choice Requires="a14">
-            <p:sp>
-              <p:nvSpPr>
-                <p:cNvPr id="6" name="CasellaDiTesto 5">
-                  <a:extLst>
-                    <a:ext uri="{FF2B5EF4-FFF2-40B4-BE49-F238E27FC236}">
-                      <a16:creationId xmlns:a16="http://schemas.microsoft.com/office/drawing/2014/main" id="{F47C9622-A471-4237-86A7-A672158A88F6}"/>
-                    </a:ext>
-                  </a:extLst>
-                </p:cNvPr>
-                <p:cNvSpPr txBox="1"/>
-                <p:nvPr/>
-              </p:nvSpPr>
-              <p:spPr>
-                <a:xfrm>
-                  <a:off x="1097280" y="3429000"/>
-                  <a:ext cx="3314922" cy="1477328"/>
-                </a:xfrm>
-                <a:prstGeom prst="rect">
-                  <a:avLst/>
-                </a:prstGeom>
-                <a:noFill/>
-              </p:spPr>
-              <p:txBody>
-                <a:bodyPr wrap="square" rtlCol="0">
-                  <a:spAutoFit/>
-                </a:bodyPr>
-                <a:lstStyle/>
-                <a:p>
-                  <a:pPr marL="285750" indent="-285750" algn="just">
-                    <a:buFont typeface="Arial" panose="020B0604020202020204" pitchFamily="34" charset="0"/>
-                    <a:buChar char="•"/>
-                  </a:pPr>
-                  <a:r>
-                    <a:rPr lang="it-IT" dirty="0" err="1"/>
-                    <a:t>Pearson's</a:t>
-                  </a:r>
-                  <a:r>
-                    <a:rPr lang="it-IT" dirty="0"/>
-                    <a:t> </a:t>
-                  </a:r>
-                  <a:r>
-                    <a:rPr lang="it-IT" dirty="0" err="1"/>
-                    <a:t>correlation</a:t>
-                  </a:r>
-                  <a:endParaRPr lang="it-IT" dirty="0"/>
-                </a:p>
-                <a:p>
-                  <a:pPr marL="285750" indent="-285750" algn="just">
-                    <a:buFont typeface="Arial" panose="020B0604020202020204" pitchFamily="34" charset="0"/>
-                    <a:buChar char="•"/>
-                  </a:pPr>
-                  <a:r>
-                    <a:rPr lang="it-IT" dirty="0"/>
-                    <a:t>Custom </a:t>
-                  </a:r>
-                  <a:r>
-                    <a:rPr lang="it-IT" dirty="0" err="1"/>
-                    <a:t>correlation</a:t>
-                  </a:r>
-                  <a:r>
-                    <a:rPr lang="it-IT" dirty="0"/>
-                    <a:t> </a:t>
-                  </a:r>
-                  <a:r>
-                    <a:rPr lang="it-IT" dirty="0" err="1"/>
-                    <a:t>Threshold</a:t>
-                  </a:r>
-                  <a:endParaRPr lang="it-IT" dirty="0"/>
-                </a:p>
-                <a:p>
-                  <a:pPr marL="285750" indent="-285750" algn="just">
-                    <a:buFont typeface="Arial" panose="020B0604020202020204" pitchFamily="34" charset="0"/>
-                    <a:buChar char="•"/>
-                  </a:pPr>
-                  <a:r>
-                    <a:rPr lang="it-IT" dirty="0"/>
-                    <a:t>Features </a:t>
-                  </a:r>
-                  <a:r>
-                    <a:rPr lang="it-IT" dirty="0" err="1"/>
-                    <a:t>reduced</a:t>
-                  </a:r>
-                  <a:r>
-                    <a:rPr lang="it-IT" dirty="0"/>
-                    <a:t> to </a:t>
-                  </a:r>
-                  <a14:m>
-                    <m:oMath xmlns:m="http://schemas.openxmlformats.org/officeDocument/2006/math">
-                      <m:r>
-                        <a:rPr lang="it-IT" i="1" smtClean="0">
-                          <a:latin typeface="Cambria Math" panose="02040503050406030204" pitchFamily="18" charset="0"/>
-                          <a:ea typeface="Cambria Math" panose="02040503050406030204" pitchFamily="18" charset="0"/>
-                        </a:rPr>
-                        <m:t>~</m:t>
-                      </m:r>
-                    </m:oMath>
-                  </a14:m>
-                  <a:r>
-                    <a:rPr lang="it-IT" dirty="0"/>
-                    <a:t> </a:t>
-                  </a:r>
-                  <a:r>
-                    <a:rPr lang="en-GB" dirty="0"/>
-                    <a:t> 50 (default threshold)</a:t>
-                  </a:r>
-                </a:p>
-                <a:p>
-                  <a:pPr marL="285750" indent="-285750" algn="just">
-                    <a:buFont typeface="Arial" panose="020B0604020202020204" pitchFamily="34" charset="0"/>
-                    <a:buChar char="•"/>
-                  </a:pPr>
-                  <a:r>
-                    <a:rPr lang="en-GB" dirty="0"/>
-                    <a:t>List of correlated features</a:t>
-                  </a:r>
-                </a:p>
-              </p:txBody>
-            </p:sp>
-          </mc:Choice>
-          <mc:Fallback xmlns="">
-            <p:sp>
-              <p:nvSpPr>
-                <p:cNvPr id="6" name="CasellaDiTesto 5">
-                  <a:extLst>
-                    <a:ext uri="{FF2B5EF4-FFF2-40B4-BE49-F238E27FC236}">
-                      <a16:creationId xmlns:a16="http://schemas.microsoft.com/office/drawing/2014/main" id="{F47C9622-A471-4237-86A7-A672158A88F6}"/>
-                    </a:ext>
-                  </a:extLst>
-                </p:cNvPr>
-                <p:cNvSpPr txBox="1">
-                  <a:spLocks noRot="1" noChangeAspect="1" noMove="1" noResize="1" noEditPoints="1" noAdjustHandles="1" noChangeArrowheads="1" noChangeShapeType="1" noTextEdit="1"/>
-                </p:cNvSpPr>
-                <p:nvPr/>
-              </p:nvSpPr>
-              <p:spPr>
-                <a:xfrm>
-                  <a:off x="1097280" y="3429000"/>
-                  <a:ext cx="3314922" cy="1477328"/>
-                </a:xfrm>
-                <a:prstGeom prst="rect">
-                  <a:avLst/>
-                </a:prstGeom>
-                <a:blipFill>
-                  <a:blip r:embed="rId2"/>
-                  <a:stretch>
-                    <a:fillRect l="-1103" t="-2479" r="-1654" b="-5785"/>
-                  </a:stretch>
-                </a:blipFill>
-              </p:spPr>
-              <p:txBody>
-                <a:bodyPr/>
-                <a:lstStyle/>
-                <a:p>
-                  <a:r>
-                    <a:rPr lang="en-GB">
-                      <a:noFill/>
-                    </a:rPr>
-                    <a:t> </a:t>
-                  </a:r>
-                </a:p>
-              </p:txBody>
-            </p:sp>
-          </mc:Fallback>
-        </mc:AlternateContent>
-        <p:sp>
-          <p:nvSpPr>
-            <p:cNvPr id="7" name="Rettangolo con angoli arrotondati 6">
-              <a:extLst>
-                <a:ext uri="{FF2B5EF4-FFF2-40B4-BE49-F238E27FC236}">
-                  <a16:creationId xmlns:a16="http://schemas.microsoft.com/office/drawing/2014/main" id="{ADF4E2E8-86AF-4F75-A6BC-D6C5FFBC4006}"/>
-                </a:ext>
-              </a:extLst>
-            </p:cNvPr>
-            <p:cNvSpPr/>
-            <p:nvPr/>
-          </p:nvSpPr>
-          <p:spPr>
-            <a:xfrm>
-              <a:off x="5051393" y="2095130"/>
-              <a:ext cx="2512381" cy="807868"/>
-            </a:xfrm>
-            <a:prstGeom prst="roundRect">
-              <a:avLst/>
-            </a:prstGeom>
-            <a:noFill/>
-            <a:ln w="57150">
-              <a:solidFill>
-                <a:schemeClr val="accent1"/>
-              </a:solidFill>
-            </a:ln>
-          </p:spPr>
-          <p:style>
-            <a:lnRef idx="2">
-              <a:schemeClr val="accent1">
-                <a:shade val="50000"/>
-              </a:schemeClr>
-            </a:lnRef>
-            <a:fillRef idx="1">
+            </a:solidFill>
+          </a:ln>
+        </p:spPr>
+        <p:style>
+          <a:lnRef idx="2">
+            <a:schemeClr val="accent1">
+              <a:shade val="50000"/>
+            </a:schemeClr>
+          </a:lnRef>
+          <a:fillRef idx="1">
+            <a:schemeClr val="accent1"/>
+          </a:fillRef>
+          <a:effectRef idx="0">
+            <a:schemeClr val="accent1"/>
+          </a:effectRef>
+          <a:fontRef idx="minor">
+            <a:schemeClr val="lt1"/>
+          </a:fontRef>
+        </p:style>
+        <p:txBody>
+          <a:bodyPr rtlCol="0" anchor="ctr"/>
+          <a:lstStyle/>
+          <a:p>
+            <a:pPr algn="ctr"/>
+            <a:endParaRPr lang="en-GB"/>
+          </a:p>
+        </p:txBody>
+      </p:sp>
+      <p:sp>
+        <p:nvSpPr>
+          <p:cNvPr id="8" name="CasellaDiTesto 7">
+            <a:extLst>
+              <a:ext uri="{FF2B5EF4-FFF2-40B4-BE49-F238E27FC236}">
+                <a16:creationId xmlns:a16="http://schemas.microsoft.com/office/drawing/2014/main" id="{9C68F2ED-1568-4ECB-A8D2-668D22861B3E}"/>
+              </a:ext>
+            </a:extLst>
+          </p:cNvPr>
+          <p:cNvSpPr txBox="1"/>
+          <p:nvPr/>
+        </p:nvSpPr>
+        <p:spPr>
+          <a:xfrm>
+            <a:off x="5200941" y="2513322"/>
+            <a:ext cx="1946367" cy="400110"/>
+          </a:xfrm>
+          <a:prstGeom prst="rect">
+            <a:avLst/>
+          </a:prstGeom>
+          <a:noFill/>
+        </p:spPr>
+        <p:txBody>
+          <a:bodyPr wrap="none" rtlCol="0">
+            <a:spAutoFit/>
+          </a:bodyPr>
+          <a:lstStyle/>
+          <a:p>
+            <a:r>
+              <a:rPr lang="it-IT" sz="2000" dirty="0"/>
+              <a:t>Lasso </a:t>
+            </a:r>
+            <a:r>
+              <a:rPr lang="it-IT" sz="2000" dirty="0" err="1"/>
+              <a:t>Regression</a:t>
+            </a:r>
+            <a:endParaRPr lang="en-GB" sz="2000" dirty="0"/>
+          </a:p>
+        </p:txBody>
+      </p:sp>
+      <mc:AlternateContent xmlns:mc="http://schemas.openxmlformats.org/markup-compatibility/2006" xmlns:a14="http://schemas.microsoft.com/office/drawing/2010/main">
+        <mc:Choice Requires="a14">
+          <p:sp>
+            <p:nvSpPr>
+              <p:cNvPr id="9" name="CasellaDiTesto 8">
+                <a:extLst>
+                  <a:ext uri="{FF2B5EF4-FFF2-40B4-BE49-F238E27FC236}">
+                    <a16:creationId xmlns:a16="http://schemas.microsoft.com/office/drawing/2014/main" id="{99661E3B-C552-4D74-96C7-A4D6891A8E78}"/>
+                  </a:ext>
+                </a:extLst>
+              </p:cNvPr>
+              <p:cNvSpPr txBox="1"/>
+              <p:nvPr/>
+            </p:nvSpPr>
+            <p:spPr>
+              <a:xfrm>
+                <a:off x="4695993" y="3643313"/>
+                <a:ext cx="3314921" cy="1200329"/>
+              </a:xfrm>
+              <a:prstGeom prst="rect">
+                <a:avLst/>
+              </a:prstGeom>
+              <a:noFill/>
+            </p:spPr>
+            <p:txBody>
+              <a:bodyPr wrap="square" rtlCol="0">
+                <a:spAutoFit/>
+              </a:bodyPr>
+              <a:lstStyle/>
+              <a:p>
+                <a:pPr marL="285750" indent="-285750">
+                  <a:buFont typeface="Arial" panose="020B0604020202020204" pitchFamily="34" charset="0"/>
+                  <a:buChar char="•"/>
+                </a:pPr>
+                <a:r>
+                  <a:rPr lang="it-IT" dirty="0"/>
+                  <a:t>Logistic </a:t>
+                </a:r>
+                <a:r>
+                  <a:rPr lang="it-IT" dirty="0" err="1"/>
+                  <a:t>regression</a:t>
+                </a:r>
+                <a:r>
+                  <a:rPr lang="it-IT" dirty="0"/>
+                  <a:t> with L1 penalty</a:t>
+                </a:r>
+              </a:p>
+              <a:p>
+                <a:pPr marL="285750" indent="-285750">
+                  <a:buFont typeface="Arial" panose="020B0604020202020204" pitchFamily="34" charset="0"/>
+                  <a:buChar char="•"/>
+                </a:pPr>
+                <a:r>
+                  <a:rPr lang="it-IT" dirty="0" err="1"/>
+                  <a:t>Not</a:t>
+                </a:r>
+                <a:r>
+                  <a:rPr lang="it-IT" dirty="0"/>
+                  <a:t> </a:t>
+                </a:r>
+                <a:r>
+                  <a:rPr lang="it-IT" dirty="0" err="1"/>
+                  <a:t>customizable</a:t>
+                </a:r>
+                <a:endParaRPr lang="it-IT" dirty="0"/>
+              </a:p>
+              <a:p>
+                <a:pPr marL="285750" indent="-285750">
+                  <a:buFont typeface="Arial" panose="020B0604020202020204" pitchFamily="34" charset="0"/>
+                  <a:buChar char="•"/>
+                </a:pPr>
+                <a:r>
+                  <a:rPr lang="it-IT" dirty="0"/>
+                  <a:t>Features </a:t>
+                </a:r>
+                <a:r>
+                  <a:rPr lang="it-IT" dirty="0" err="1"/>
+                  <a:t>reduced</a:t>
+                </a:r>
+                <a:r>
+                  <a:rPr lang="it-IT" dirty="0"/>
+                  <a:t> to </a:t>
+                </a:r>
+                <a14:m>
+                  <m:oMath xmlns:m="http://schemas.openxmlformats.org/officeDocument/2006/math">
+                    <m:r>
+                      <a:rPr lang="it-IT" i="1" smtClean="0">
+                        <a:latin typeface="Cambria Math" panose="02040503050406030204" pitchFamily="18" charset="0"/>
+                        <a:ea typeface="Cambria Math" panose="02040503050406030204" pitchFamily="18" charset="0"/>
+                      </a:rPr>
+                      <m:t>~</m:t>
+                    </m:r>
+                    <m:r>
+                      <a:rPr lang="it-IT" b="0" i="1" smtClean="0">
+                        <a:latin typeface="Cambria Math" panose="02040503050406030204" pitchFamily="18" charset="0"/>
+                        <a:ea typeface="Cambria Math" panose="02040503050406030204" pitchFamily="18" charset="0"/>
+                      </a:rPr>
+                      <m:t> </m:t>
+                    </m:r>
+                  </m:oMath>
+                </a14:m>
+                <a:r>
+                  <a:rPr lang="it-IT" dirty="0"/>
+                  <a:t>20 - 30 </a:t>
+                </a:r>
+                <a:endParaRPr lang="en-GB" dirty="0"/>
+              </a:p>
+            </p:txBody>
+          </p:sp>
+        </mc:Choice>
+        <mc:Fallback xmlns="">
+          <p:sp>
+            <p:nvSpPr>
+              <p:cNvPr id="9" name="CasellaDiTesto 8">
+                <a:extLst>
+                  <a:ext uri="{FF2B5EF4-FFF2-40B4-BE49-F238E27FC236}">
+                    <a16:creationId xmlns:a16="http://schemas.microsoft.com/office/drawing/2014/main" id="{99661E3B-C552-4D74-96C7-A4D6891A8E78}"/>
+                  </a:ext>
+                </a:extLst>
+              </p:cNvPr>
+              <p:cNvSpPr txBox="1">
+                <a:spLocks noRot="1" noChangeAspect="1" noMove="1" noResize="1" noEditPoints="1" noAdjustHandles="1" noChangeArrowheads="1" noChangeShapeType="1" noTextEdit="1"/>
+              </p:cNvSpPr>
+              <p:nvPr/>
+            </p:nvSpPr>
+            <p:spPr>
+              <a:xfrm>
+                <a:off x="4695993" y="3643313"/>
+                <a:ext cx="3314921" cy="1200329"/>
+              </a:xfrm>
+              <a:prstGeom prst="rect">
+                <a:avLst/>
+              </a:prstGeom>
+              <a:blipFill>
+                <a:blip r:embed="rId3"/>
+                <a:stretch>
+                  <a:fillRect l="-1103" t="-3046" r="-735" b="-7107"/>
+                </a:stretch>
+              </a:blipFill>
+            </p:spPr>
+            <p:txBody>
+              <a:bodyPr/>
+              <a:lstStyle/>
+              <a:p>
+                <a:r>
+                  <a:rPr lang="en-GB">
+                    <a:noFill/>
+                  </a:rPr>
+                  <a:t> </a:t>
+                </a:r>
+              </a:p>
+            </p:txBody>
+          </p:sp>
+        </mc:Fallback>
+      </mc:AlternateContent>
+      <p:sp>
+        <p:nvSpPr>
+          <p:cNvPr id="10" name="Rettangolo con angoli arrotondati 9">
+            <a:extLst>
+              <a:ext uri="{FF2B5EF4-FFF2-40B4-BE49-F238E27FC236}">
+                <a16:creationId xmlns:a16="http://schemas.microsoft.com/office/drawing/2014/main" id="{C5990ADD-27BF-41BA-AC89-38B6515C34D9}"/>
+              </a:ext>
+            </a:extLst>
+          </p:cNvPr>
+          <p:cNvSpPr/>
+          <p:nvPr/>
+        </p:nvSpPr>
+        <p:spPr>
+          <a:xfrm>
+            <a:off x="8646555" y="2309443"/>
+            <a:ext cx="2512381" cy="807868"/>
+          </a:xfrm>
+          <a:prstGeom prst="roundRect">
+            <a:avLst/>
+          </a:prstGeom>
+          <a:noFill/>
+          <a:ln w="57150">
+            <a:solidFill>
               <a:schemeClr val="accent1"/>
-            </a:fillRef>
-            <a:effectRef idx="0">
-              <a:schemeClr val="accent1"/>
-            </a:effectRef>
-            <a:fontRef idx="minor">
-              <a:schemeClr val="lt1"/>
-            </a:fontRef>
-          </p:style>
-          <p:txBody>
-            <a:bodyPr rtlCol="0" anchor="ctr"/>
-            <a:lstStyle/>
-            <a:p>
-              <a:pPr algn="ctr"/>
-              <a:endParaRPr lang="en-GB"/>
-            </a:p>
-          </p:txBody>
-        </p:sp>
-        <p:sp>
-          <p:nvSpPr>
-            <p:cNvPr id="8" name="CasellaDiTesto 7">
-              <a:extLst>
-                <a:ext uri="{FF2B5EF4-FFF2-40B4-BE49-F238E27FC236}">
-                  <a16:creationId xmlns:a16="http://schemas.microsoft.com/office/drawing/2014/main" id="{9C68F2ED-1568-4ECB-A8D2-668D22861B3E}"/>
-                </a:ext>
-              </a:extLst>
-            </p:cNvPr>
-            <p:cNvSpPr txBox="1"/>
-            <p:nvPr/>
-          </p:nvSpPr>
-          <p:spPr>
-            <a:xfrm>
-              <a:off x="5334399" y="2299009"/>
-              <a:ext cx="1946367" cy="400110"/>
-            </a:xfrm>
-            <a:prstGeom prst="rect">
-              <a:avLst/>
-            </a:prstGeom>
-            <a:noFill/>
-          </p:spPr>
-          <p:txBody>
-            <a:bodyPr wrap="none" rtlCol="0">
-              <a:spAutoFit/>
-            </a:bodyPr>
-            <a:lstStyle/>
-            <a:p>
-              <a:r>
-                <a:rPr lang="it-IT" sz="2000" dirty="0"/>
-                <a:t>Lasso </a:t>
-              </a:r>
-              <a:r>
-                <a:rPr lang="it-IT" sz="2000" dirty="0" err="1"/>
-                <a:t>Regression</a:t>
-              </a:r>
-              <a:endParaRPr lang="en-GB" sz="2000" dirty="0"/>
-            </a:p>
-          </p:txBody>
-        </p:sp>
-        <mc:AlternateContent xmlns:mc="http://schemas.openxmlformats.org/markup-compatibility/2006" xmlns:a14="http://schemas.microsoft.com/office/drawing/2010/main">
-          <mc:Choice Requires="a14">
-            <p:sp>
-              <p:nvSpPr>
-                <p:cNvPr id="9" name="CasellaDiTesto 8">
-                  <a:extLst>
-                    <a:ext uri="{FF2B5EF4-FFF2-40B4-BE49-F238E27FC236}">
-                      <a16:creationId xmlns:a16="http://schemas.microsoft.com/office/drawing/2014/main" id="{99661E3B-C552-4D74-96C7-A4D6891A8E78}"/>
-                    </a:ext>
-                  </a:extLst>
-                </p:cNvPr>
-                <p:cNvSpPr txBox="1"/>
-                <p:nvPr/>
-              </p:nvSpPr>
-              <p:spPr>
-                <a:xfrm>
-                  <a:off x="4829451" y="3429000"/>
-                  <a:ext cx="3314921" cy="1200329"/>
-                </a:xfrm>
-                <a:prstGeom prst="rect">
-                  <a:avLst/>
-                </a:prstGeom>
-                <a:noFill/>
-              </p:spPr>
-              <p:txBody>
-                <a:bodyPr wrap="square" rtlCol="0">
-                  <a:spAutoFit/>
-                </a:bodyPr>
-                <a:lstStyle/>
-                <a:p>
-                  <a:pPr marL="285750" indent="-285750">
-                    <a:buFont typeface="Arial" panose="020B0604020202020204" pitchFamily="34" charset="0"/>
-                    <a:buChar char="•"/>
-                  </a:pPr>
-                  <a:r>
-                    <a:rPr lang="it-IT" dirty="0"/>
-                    <a:t>Logistic </a:t>
-                  </a:r>
-                  <a:r>
-                    <a:rPr lang="it-IT" dirty="0" err="1"/>
-                    <a:t>regression</a:t>
-                  </a:r>
-                  <a:r>
-                    <a:rPr lang="it-IT" dirty="0"/>
-                    <a:t> with L1 penalty</a:t>
-                  </a:r>
-                </a:p>
-                <a:p>
-                  <a:pPr marL="285750" indent="-285750">
-                    <a:buFont typeface="Arial" panose="020B0604020202020204" pitchFamily="34" charset="0"/>
-                    <a:buChar char="•"/>
-                  </a:pPr>
-                  <a:r>
-                    <a:rPr lang="it-IT" dirty="0" err="1"/>
-                    <a:t>Not</a:t>
-                  </a:r>
-                  <a:r>
-                    <a:rPr lang="it-IT" dirty="0"/>
-                    <a:t> </a:t>
-                  </a:r>
-                  <a:r>
-                    <a:rPr lang="it-IT" dirty="0" err="1"/>
-                    <a:t>customizable</a:t>
-                  </a:r>
-                  <a:endParaRPr lang="it-IT" dirty="0"/>
-                </a:p>
-                <a:p>
-                  <a:pPr marL="285750" indent="-285750">
-                    <a:buFont typeface="Arial" panose="020B0604020202020204" pitchFamily="34" charset="0"/>
-                    <a:buChar char="•"/>
-                  </a:pPr>
-                  <a:r>
-                    <a:rPr lang="it-IT" dirty="0"/>
-                    <a:t>Features </a:t>
-                  </a:r>
-                  <a:r>
-                    <a:rPr lang="it-IT" dirty="0" err="1"/>
-                    <a:t>reduced</a:t>
-                  </a:r>
-                  <a:r>
-                    <a:rPr lang="it-IT" dirty="0"/>
-                    <a:t> to </a:t>
-                  </a:r>
-                  <a14:m>
-                    <m:oMath xmlns:m="http://schemas.openxmlformats.org/officeDocument/2006/math">
-                      <m:r>
-                        <a:rPr lang="it-IT" i="1" smtClean="0">
-                          <a:latin typeface="Cambria Math" panose="02040503050406030204" pitchFamily="18" charset="0"/>
-                          <a:ea typeface="Cambria Math" panose="02040503050406030204" pitchFamily="18" charset="0"/>
-                        </a:rPr>
-                        <m:t>~</m:t>
-                      </m:r>
-                      <m:r>
-                        <a:rPr lang="it-IT" b="0" i="1" smtClean="0">
-                          <a:latin typeface="Cambria Math" panose="02040503050406030204" pitchFamily="18" charset="0"/>
-                          <a:ea typeface="Cambria Math" panose="02040503050406030204" pitchFamily="18" charset="0"/>
-                        </a:rPr>
-                        <m:t> </m:t>
-                      </m:r>
-                    </m:oMath>
-                  </a14:m>
-                  <a:r>
-                    <a:rPr lang="it-IT" dirty="0"/>
-                    <a:t>20 </a:t>
-                  </a:r>
-                  <a:endParaRPr lang="en-GB" dirty="0"/>
-                </a:p>
-              </p:txBody>
-            </p:sp>
-          </mc:Choice>
-          <mc:Fallback xmlns="">
-            <p:sp>
-              <p:nvSpPr>
-                <p:cNvPr id="9" name="CasellaDiTesto 8">
-                  <a:extLst>
-                    <a:ext uri="{FF2B5EF4-FFF2-40B4-BE49-F238E27FC236}">
-                      <a16:creationId xmlns:a16="http://schemas.microsoft.com/office/drawing/2014/main" id="{99661E3B-C552-4D74-96C7-A4D6891A8E78}"/>
-                    </a:ext>
-                  </a:extLst>
-                </p:cNvPr>
-                <p:cNvSpPr txBox="1">
-                  <a:spLocks noRot="1" noChangeAspect="1" noMove="1" noResize="1" noEditPoints="1" noAdjustHandles="1" noChangeArrowheads="1" noChangeShapeType="1" noTextEdit="1"/>
-                </p:cNvSpPr>
-                <p:nvPr/>
-              </p:nvSpPr>
-              <p:spPr>
-                <a:xfrm>
-                  <a:off x="4829451" y="3429000"/>
-                  <a:ext cx="3314921" cy="1200329"/>
-                </a:xfrm>
-                <a:prstGeom prst="rect">
-                  <a:avLst/>
-                </a:prstGeom>
-                <a:blipFill>
-                  <a:blip r:embed="rId3"/>
-                  <a:stretch>
-                    <a:fillRect l="-1103" t="-3046" b="-7107"/>
-                  </a:stretch>
-                </a:blipFill>
-              </p:spPr>
-              <p:txBody>
-                <a:bodyPr/>
-                <a:lstStyle/>
-                <a:p>
-                  <a:r>
-                    <a:rPr lang="en-GB">
-                      <a:noFill/>
-                    </a:rPr>
-                    <a:t> </a:t>
-                  </a:r>
-                </a:p>
-              </p:txBody>
-            </p:sp>
-          </mc:Fallback>
-        </mc:AlternateContent>
-        <p:sp>
-          <p:nvSpPr>
-            <p:cNvPr id="10" name="Rettangolo con angoli arrotondati 9">
-              <a:extLst>
-                <a:ext uri="{FF2B5EF4-FFF2-40B4-BE49-F238E27FC236}">
-                  <a16:creationId xmlns:a16="http://schemas.microsoft.com/office/drawing/2014/main" id="{C5990ADD-27BF-41BA-AC89-38B6515C34D9}"/>
-                </a:ext>
-              </a:extLst>
-            </p:cNvPr>
-            <p:cNvSpPr/>
-            <p:nvPr/>
-          </p:nvSpPr>
-          <p:spPr>
-            <a:xfrm>
-              <a:off x="8780013" y="2095130"/>
-              <a:ext cx="2512381" cy="807868"/>
-            </a:xfrm>
-            <a:prstGeom prst="roundRect">
-              <a:avLst/>
-            </a:prstGeom>
-            <a:noFill/>
-            <a:ln w="57150">
-              <a:solidFill>
-                <a:schemeClr val="accent1"/>
-              </a:solidFill>
-            </a:ln>
-          </p:spPr>
-          <p:style>
-            <a:lnRef idx="2">
-              <a:schemeClr val="accent1">
-                <a:shade val="50000"/>
-              </a:schemeClr>
-            </a:lnRef>
-            <a:fillRef idx="1">
-              <a:schemeClr val="accent1"/>
-            </a:fillRef>
-            <a:effectRef idx="0">
-              <a:schemeClr val="accent1"/>
-            </a:effectRef>
-            <a:fontRef idx="minor">
-              <a:schemeClr val="lt1"/>
-            </a:fontRef>
-          </p:style>
-          <p:txBody>
-            <a:bodyPr rtlCol="0" anchor="ctr"/>
-            <a:lstStyle/>
-            <a:p>
-              <a:pPr algn="ctr"/>
-              <a:endParaRPr lang="en-GB"/>
-            </a:p>
-          </p:txBody>
-        </p:sp>
-        <p:sp>
-          <p:nvSpPr>
-            <p:cNvPr id="11" name="CasellaDiTesto 10">
-              <a:extLst>
-                <a:ext uri="{FF2B5EF4-FFF2-40B4-BE49-F238E27FC236}">
-                  <a16:creationId xmlns:a16="http://schemas.microsoft.com/office/drawing/2014/main" id="{0250A20A-903B-44EC-A923-F83E2DABFB6E}"/>
-                </a:ext>
-              </a:extLst>
-            </p:cNvPr>
-            <p:cNvSpPr txBox="1"/>
-            <p:nvPr/>
-          </p:nvSpPr>
-          <p:spPr>
-            <a:xfrm>
-              <a:off x="9154487" y="2299009"/>
-              <a:ext cx="1763431" cy="400110"/>
-            </a:xfrm>
-            <a:prstGeom prst="rect">
-              <a:avLst/>
-            </a:prstGeom>
-            <a:noFill/>
-          </p:spPr>
-          <p:txBody>
-            <a:bodyPr wrap="none" rtlCol="0">
-              <a:spAutoFit/>
-            </a:bodyPr>
-            <a:lstStyle/>
-            <a:p>
-              <a:r>
-                <a:rPr lang="it-IT" sz="2000" dirty="0"/>
-                <a:t>Random </a:t>
-              </a:r>
-              <a:r>
-                <a:rPr lang="it-IT" sz="2000" dirty="0" err="1"/>
-                <a:t>Forest</a:t>
-              </a:r>
-              <a:endParaRPr lang="en-GB" sz="2000" dirty="0"/>
-            </a:p>
-          </p:txBody>
-        </p:sp>
-        <p:sp>
-          <p:nvSpPr>
-            <p:cNvPr id="12" name="CasellaDiTesto 11">
-              <a:extLst>
-                <a:ext uri="{FF2B5EF4-FFF2-40B4-BE49-F238E27FC236}">
-                  <a16:creationId xmlns:a16="http://schemas.microsoft.com/office/drawing/2014/main" id="{D2CA6F39-C3ED-4ADE-BEA8-B16178A3138C}"/>
-                </a:ext>
-              </a:extLst>
-            </p:cNvPr>
-            <p:cNvSpPr txBox="1"/>
-            <p:nvPr/>
-          </p:nvSpPr>
-          <p:spPr>
-            <a:xfrm>
-              <a:off x="8561622" y="3429000"/>
-              <a:ext cx="2899744" cy="2031325"/>
-            </a:xfrm>
-            <a:prstGeom prst="rect">
-              <a:avLst/>
-            </a:prstGeom>
-            <a:noFill/>
-          </p:spPr>
-          <p:txBody>
-            <a:bodyPr wrap="square" rtlCol="0">
-              <a:spAutoFit/>
-            </a:bodyPr>
-            <a:lstStyle/>
-            <a:p>
-              <a:pPr marL="285750" indent="-285750">
-                <a:buFont typeface="Arial" panose="020B0604020202020204" pitchFamily="34" charset="0"/>
-                <a:buChar char="•"/>
-              </a:pPr>
-              <a:r>
-                <a:rPr lang="it-IT" dirty="0"/>
-                <a:t>Relative feature </a:t>
-              </a:r>
-              <a:r>
-                <a:rPr lang="it-IT" dirty="0" err="1"/>
-                <a:t>importance</a:t>
-              </a:r>
-              <a:endParaRPr lang="it-IT" dirty="0"/>
-            </a:p>
-            <a:p>
-              <a:pPr marL="285750" indent="-285750">
-                <a:buFont typeface="Arial" panose="020B0604020202020204" pitchFamily="34" charset="0"/>
-                <a:buChar char="•"/>
-              </a:pPr>
-              <a:r>
-                <a:rPr lang="it-IT" dirty="0"/>
-                <a:t>User </a:t>
-              </a:r>
-              <a:r>
-                <a:rPr lang="it-IT" dirty="0" err="1"/>
-                <a:t>chooses</a:t>
-              </a:r>
-              <a:r>
-                <a:rPr lang="it-IT" dirty="0"/>
-                <a:t> the </a:t>
-              </a:r>
-              <a:r>
-                <a:rPr lang="it-IT" dirty="0" err="1"/>
-                <a:t>number</a:t>
-              </a:r>
-              <a:r>
-                <a:rPr lang="it-IT" dirty="0"/>
-                <a:t> of features</a:t>
-              </a:r>
-            </a:p>
-            <a:p>
-              <a:pPr marL="285750" indent="-285750">
-                <a:buFont typeface="Arial" panose="020B0604020202020204" pitchFamily="34" charset="0"/>
-                <a:buChar char="•"/>
-              </a:pPr>
-              <a:r>
-                <a:rPr lang="en-GB" dirty="0"/>
-                <a:t>Slightly customizable</a:t>
-              </a:r>
-            </a:p>
-            <a:p>
-              <a:pPr marL="285750" indent="-285750">
-                <a:buFont typeface="Arial" panose="020B0604020202020204" pitchFamily="34" charset="0"/>
-                <a:buChar char="•"/>
-              </a:pPr>
-              <a:r>
-                <a:rPr lang="en-GB" dirty="0"/>
-                <a:t>Indexes of important features</a:t>
-              </a:r>
-            </a:p>
-          </p:txBody>
-        </p:sp>
-      </p:grpSp>
+            </a:solidFill>
+          </a:ln>
+        </p:spPr>
+        <p:style>
+          <a:lnRef idx="2">
+            <a:schemeClr val="accent1">
+              <a:shade val="50000"/>
+            </a:schemeClr>
+          </a:lnRef>
+          <a:fillRef idx="1">
+            <a:schemeClr val="accent1"/>
+          </a:fillRef>
+          <a:effectRef idx="0">
+            <a:schemeClr val="accent1"/>
+          </a:effectRef>
+          <a:fontRef idx="minor">
+            <a:schemeClr val="lt1"/>
+          </a:fontRef>
+        </p:style>
+        <p:txBody>
+          <a:bodyPr rtlCol="0" anchor="ctr"/>
+          <a:lstStyle/>
+          <a:p>
+            <a:pPr algn="ctr"/>
+            <a:endParaRPr lang="en-GB"/>
+          </a:p>
+        </p:txBody>
+      </p:sp>
+      <p:sp>
+        <p:nvSpPr>
+          <p:cNvPr id="11" name="CasellaDiTesto 10">
+            <a:extLst>
+              <a:ext uri="{FF2B5EF4-FFF2-40B4-BE49-F238E27FC236}">
+                <a16:creationId xmlns:a16="http://schemas.microsoft.com/office/drawing/2014/main" id="{0250A20A-903B-44EC-A923-F83E2DABFB6E}"/>
+              </a:ext>
+            </a:extLst>
+          </p:cNvPr>
+          <p:cNvSpPr txBox="1"/>
+          <p:nvPr/>
+        </p:nvSpPr>
+        <p:spPr>
+          <a:xfrm>
+            <a:off x="9021029" y="2513322"/>
+            <a:ext cx="1763431" cy="400110"/>
+          </a:xfrm>
+          <a:prstGeom prst="rect">
+            <a:avLst/>
+          </a:prstGeom>
+          <a:noFill/>
+        </p:spPr>
+        <p:txBody>
+          <a:bodyPr wrap="none" rtlCol="0">
+            <a:spAutoFit/>
+          </a:bodyPr>
+          <a:lstStyle/>
+          <a:p>
+            <a:r>
+              <a:rPr lang="it-IT" sz="2000" dirty="0"/>
+              <a:t>Random </a:t>
+            </a:r>
+            <a:r>
+              <a:rPr lang="it-IT" sz="2000" dirty="0" err="1"/>
+              <a:t>Forest</a:t>
+            </a:r>
+            <a:endParaRPr lang="en-GB" sz="2000" dirty="0"/>
+          </a:p>
+        </p:txBody>
+      </p:sp>
+      <p:sp>
+        <p:nvSpPr>
+          <p:cNvPr id="12" name="CasellaDiTesto 11">
+            <a:extLst>
+              <a:ext uri="{FF2B5EF4-FFF2-40B4-BE49-F238E27FC236}">
+                <a16:creationId xmlns:a16="http://schemas.microsoft.com/office/drawing/2014/main" id="{D2CA6F39-C3ED-4ADE-BEA8-B16178A3138C}"/>
+              </a:ext>
+            </a:extLst>
+          </p:cNvPr>
+          <p:cNvSpPr txBox="1"/>
+          <p:nvPr/>
+        </p:nvSpPr>
+        <p:spPr>
+          <a:xfrm>
+            <a:off x="8428164" y="3643313"/>
+            <a:ext cx="2899744" cy="2031325"/>
+          </a:xfrm>
+          <a:prstGeom prst="rect">
+            <a:avLst/>
+          </a:prstGeom>
+          <a:noFill/>
+        </p:spPr>
+        <p:txBody>
+          <a:bodyPr wrap="square" rtlCol="0">
+            <a:spAutoFit/>
+          </a:bodyPr>
+          <a:lstStyle/>
+          <a:p>
+            <a:pPr marL="285750" indent="-285750">
+              <a:buFont typeface="Arial" panose="020B0604020202020204" pitchFamily="34" charset="0"/>
+              <a:buChar char="•"/>
+            </a:pPr>
+            <a:r>
+              <a:rPr lang="it-IT" dirty="0"/>
+              <a:t>Relative feature </a:t>
+            </a:r>
+            <a:r>
+              <a:rPr lang="it-IT" dirty="0" err="1"/>
+              <a:t>importance</a:t>
+            </a:r>
+            <a:endParaRPr lang="it-IT" dirty="0"/>
+          </a:p>
+          <a:p>
+            <a:pPr marL="285750" indent="-285750">
+              <a:buFont typeface="Arial" panose="020B0604020202020204" pitchFamily="34" charset="0"/>
+              <a:buChar char="•"/>
+            </a:pPr>
+            <a:r>
+              <a:rPr lang="it-IT" dirty="0"/>
+              <a:t>User </a:t>
+            </a:r>
+            <a:r>
+              <a:rPr lang="it-IT" dirty="0" err="1"/>
+              <a:t>chooses</a:t>
+            </a:r>
+            <a:r>
+              <a:rPr lang="it-IT" dirty="0"/>
+              <a:t> the </a:t>
+            </a:r>
+            <a:r>
+              <a:rPr lang="it-IT" dirty="0" err="1"/>
+              <a:t>number</a:t>
+            </a:r>
+            <a:r>
+              <a:rPr lang="it-IT" dirty="0"/>
+              <a:t> of features</a:t>
+            </a:r>
+          </a:p>
+          <a:p>
+            <a:pPr marL="285750" indent="-285750">
+              <a:buFont typeface="Arial" panose="020B0604020202020204" pitchFamily="34" charset="0"/>
+              <a:buChar char="•"/>
+            </a:pPr>
+            <a:r>
+              <a:rPr lang="en-GB" dirty="0"/>
+              <a:t>Slightly customizable</a:t>
+            </a:r>
+          </a:p>
+          <a:p>
+            <a:pPr marL="285750" indent="-285750">
+              <a:buFont typeface="Arial" panose="020B0604020202020204" pitchFamily="34" charset="0"/>
+              <a:buChar char="•"/>
+            </a:pPr>
+            <a:r>
+              <a:rPr lang="en-GB" dirty="0"/>
+              <a:t>Indexes of important features</a:t>
+            </a:r>
+          </a:p>
+        </p:txBody>
+      </p:sp>
     </p:spTree>
     <p:extLst>
       <p:ext uri="{BB962C8B-B14F-4D97-AF65-F5344CB8AC3E}">
@@ -5145,6 +5193,242 @@
   <p:clrMapOvr>
     <a:masterClrMapping/>
   </p:clrMapOvr>
+  <p:timing>
+    <p:tnLst>
+      <p:par>
+        <p:cTn id="1" dur="indefinite" restart="never" nodeType="tmRoot">
+          <p:childTnLst>
+            <p:seq concurrent="1" nextAc="seek">
+              <p:cTn id="2" dur="indefinite" nodeType="mainSeq">
+                <p:childTnLst>
+                  <p:par>
+                    <p:cTn id="3" fill="hold">
+                      <p:stCondLst>
+                        <p:cond delay="indefinite"/>
+                      </p:stCondLst>
+                      <p:childTnLst>
+                        <p:par>
+                          <p:cTn id="4" fill="hold">
+                            <p:stCondLst>
+                              <p:cond delay="0"/>
+                            </p:stCondLst>
+                            <p:childTnLst>
+                              <p:par>
+                                <p:cTn id="5" presetID="1" presetClass="entr" presetSubtype="0" fill="hold" grpId="0" nodeType="clickEffect">
+                                  <p:stCondLst>
+                                    <p:cond delay="0"/>
+                                  </p:stCondLst>
+                                  <p:childTnLst>
+                                    <p:set>
+                                      <p:cBhvr>
+                                        <p:cTn id="6" dur="1" fill="hold">
+                                          <p:stCondLst>
+                                            <p:cond delay="0"/>
+                                          </p:stCondLst>
+                                        </p:cTn>
+                                        <p:tgtEl>
+                                          <p:spTgt spid="8"/>
+                                        </p:tgtEl>
+                                        <p:attrNameLst>
+                                          <p:attrName>style.visibility</p:attrName>
+                                        </p:attrNameLst>
+                                      </p:cBhvr>
+                                      <p:to>
+                                        <p:strVal val="visible"/>
+                                      </p:to>
+                                    </p:set>
+                                  </p:childTnLst>
+                                </p:cTn>
+                              </p:par>
+                              <p:par>
+                                <p:cTn id="7" presetID="1" presetClass="entr" presetSubtype="0" fill="hold" grpId="0" nodeType="withEffect">
+                                  <p:stCondLst>
+                                    <p:cond delay="0"/>
+                                  </p:stCondLst>
+                                  <p:childTnLst>
+                                    <p:set>
+                                      <p:cBhvr>
+                                        <p:cTn id="8" dur="1" fill="hold">
+                                          <p:stCondLst>
+                                            <p:cond delay="0"/>
+                                          </p:stCondLst>
+                                        </p:cTn>
+                                        <p:tgtEl>
+                                          <p:spTgt spid="7"/>
+                                        </p:tgtEl>
+                                        <p:attrNameLst>
+                                          <p:attrName>style.visibility</p:attrName>
+                                        </p:attrNameLst>
+                                      </p:cBhvr>
+                                      <p:to>
+                                        <p:strVal val="visible"/>
+                                      </p:to>
+                                    </p:set>
+                                  </p:childTnLst>
+                                </p:cTn>
+                              </p:par>
+                              <p:par>
+                                <p:cTn id="9" presetID="1" presetClass="entr" presetSubtype="0" fill="hold" grpId="0" nodeType="withEffect">
+                                  <p:stCondLst>
+                                    <p:cond delay="0"/>
+                                  </p:stCondLst>
+                                  <p:childTnLst>
+                                    <p:set>
+                                      <p:cBhvr>
+                                        <p:cTn id="10" dur="1" fill="hold">
+                                          <p:stCondLst>
+                                            <p:cond delay="0"/>
+                                          </p:stCondLst>
+                                        </p:cTn>
+                                        <p:tgtEl>
+                                          <p:spTgt spid="9"/>
+                                        </p:tgtEl>
+                                        <p:attrNameLst>
+                                          <p:attrName>style.visibility</p:attrName>
+                                        </p:attrNameLst>
+                                      </p:cBhvr>
+                                      <p:to>
+                                        <p:strVal val="visible"/>
+                                      </p:to>
+                                    </p:set>
+                                  </p:childTnLst>
+                                </p:cTn>
+                              </p:par>
+                            </p:childTnLst>
+                          </p:cTn>
+                        </p:par>
+                      </p:childTnLst>
+                    </p:cTn>
+                  </p:par>
+                  <p:par>
+                    <p:cTn id="11" fill="hold">
+                      <p:stCondLst>
+                        <p:cond delay="indefinite"/>
+                      </p:stCondLst>
+                      <p:childTnLst>
+                        <p:par>
+                          <p:cTn id="12" fill="hold">
+                            <p:stCondLst>
+                              <p:cond delay="0"/>
+                            </p:stCondLst>
+                            <p:childTnLst>
+                              <p:par>
+                                <p:cTn id="13" presetID="1" presetClass="entr" presetSubtype="0" fill="hold" grpId="0" nodeType="clickEffect">
+                                  <p:stCondLst>
+                                    <p:cond delay="0"/>
+                                  </p:stCondLst>
+                                  <p:childTnLst>
+                                    <p:set>
+                                      <p:cBhvr>
+                                        <p:cTn id="14" dur="1" fill="hold">
+                                          <p:stCondLst>
+                                            <p:cond delay="0"/>
+                                          </p:stCondLst>
+                                        </p:cTn>
+                                        <p:tgtEl>
+                                          <p:spTgt spid="11"/>
+                                        </p:tgtEl>
+                                        <p:attrNameLst>
+                                          <p:attrName>style.visibility</p:attrName>
+                                        </p:attrNameLst>
+                                      </p:cBhvr>
+                                      <p:to>
+                                        <p:strVal val="visible"/>
+                                      </p:to>
+                                    </p:set>
+                                  </p:childTnLst>
+                                </p:cTn>
+                              </p:par>
+                              <p:par>
+                                <p:cTn id="15" presetID="1" presetClass="entr" presetSubtype="0" fill="hold" grpId="0" nodeType="withEffect">
+                                  <p:stCondLst>
+                                    <p:cond delay="0"/>
+                                  </p:stCondLst>
+                                  <p:childTnLst>
+                                    <p:set>
+                                      <p:cBhvr>
+                                        <p:cTn id="16" dur="1" fill="hold">
+                                          <p:stCondLst>
+                                            <p:cond delay="0"/>
+                                          </p:stCondLst>
+                                        </p:cTn>
+                                        <p:tgtEl>
+                                          <p:spTgt spid="10"/>
+                                        </p:tgtEl>
+                                        <p:attrNameLst>
+                                          <p:attrName>style.visibility</p:attrName>
+                                        </p:attrNameLst>
+                                      </p:cBhvr>
+                                      <p:to>
+                                        <p:strVal val="visible"/>
+                                      </p:to>
+                                    </p:set>
+                                  </p:childTnLst>
+                                </p:cTn>
+                              </p:par>
+                              <p:par>
+                                <p:cTn id="17" presetID="1" presetClass="entr" presetSubtype="0" fill="hold" grpId="0" nodeType="withEffect">
+                                  <p:stCondLst>
+                                    <p:cond delay="0"/>
+                                  </p:stCondLst>
+                                  <p:childTnLst>
+                                    <p:set>
+                                      <p:cBhvr>
+                                        <p:cTn id="18" dur="1" fill="hold">
+                                          <p:stCondLst>
+                                            <p:cond delay="0"/>
+                                          </p:stCondLst>
+                                        </p:cTn>
+                                        <p:tgtEl>
+                                          <p:spTgt spid="12"/>
+                                        </p:tgtEl>
+                                        <p:attrNameLst>
+                                          <p:attrName>style.visibility</p:attrName>
+                                        </p:attrNameLst>
+                                      </p:cBhvr>
+                                      <p:to>
+                                        <p:strVal val="visible"/>
+                                      </p:to>
+                                    </p:set>
+                                  </p:childTnLst>
+                                </p:cTn>
+                              </p:par>
+                            </p:childTnLst>
+                          </p:cTn>
+                        </p:par>
+                      </p:childTnLst>
+                    </p:cTn>
+                  </p:par>
+                </p:childTnLst>
+              </p:cTn>
+              <p:prevCondLst>
+                <p:cond evt="onPrev" delay="0">
+                  <p:tgtEl>
+                    <p:sldTgt/>
+                  </p:tgtEl>
+                </p:cond>
+              </p:prevCondLst>
+              <p:nextCondLst>
+                <p:cond evt="onNext" delay="0">
+                  <p:tgtEl>
+                    <p:sldTgt/>
+                  </p:tgtEl>
+                </p:cond>
+              </p:nextCondLst>
+            </p:seq>
+          </p:childTnLst>
+        </p:cTn>
+      </p:par>
+    </p:tnLst>
+    <p:bldLst>
+      <p:bldP spid="7" grpId="0" animBg="1"/>
+      <p:bldP spid="8" grpId="0"/>
+      <p:bldP spid="9" grpId="0"/>
+      <p:bldP spid="10" grpId="0" animBg="1"/>
+      <p:bldP spid="11" grpId="0"/>
+      <p:bldP spid="12" grpId="0"/>
+    </p:bldLst>
+  </p:timing>
 </p:sld>
 </file>
 
@@ -5212,7 +5496,7 @@
         </p:nvSpPr>
         <p:spPr>
           <a:xfrm>
-            <a:off x="678846" y="3853766"/>
+            <a:off x="857583" y="3910393"/>
             <a:ext cx="10476834" cy="2031325"/>
           </a:xfrm>
           <a:prstGeom prst="rect">
@@ -5226,6 +5510,7 @@
           </a:bodyPr>
           <a:lstStyle/>
           <a:p>
+            <a:pPr algn="just"/>
             <a:r>
               <a:rPr lang="it-IT" dirty="0" err="1"/>
               <a:t>All</a:t>
@@ -5260,7 +5545,7 @@
             </a:r>
             <a:r>
               <a:rPr lang="it-IT" dirty="0" err="1"/>
-              <a:t>tested</a:t>
+              <a:t>evaluated</a:t>
             </a:r>
             <a:r>
               <a:rPr lang="it-IT" dirty="0"/>
@@ -5276,6 +5561,7 @@
             </a:r>
           </a:p>
           <a:p>
+            <a:pPr algn="just"/>
             <a:r>
               <a:rPr lang="it-IT" dirty="0"/>
               <a:t>The </a:t>
@@ -5330,6 +5616,7 @@
             </a:r>
           </a:p>
           <a:p>
+            <a:pPr algn="just"/>
             <a:r>
               <a:rPr lang="it-IT" dirty="0"/>
               <a:t>Random </a:t>
@@ -5376,9 +5663,11 @@
             </a:r>
           </a:p>
           <a:p>
+            <a:pPr algn="just"/>
             <a:endParaRPr lang="it-IT" dirty="0"/>
           </a:p>
           <a:p>
+            <a:pPr algn="just"/>
             <a:r>
               <a:rPr lang="it-IT" dirty="0"/>
               <a:t>For </a:t>
@@ -5854,6 +6143,7 @@
           </a:bodyPr>
           <a:lstStyle/>
           <a:p>
+            <a:pPr algn="just"/>
             <a:r>
               <a:rPr lang="it-IT" dirty="0"/>
               <a:t>The Random </a:t>
@@ -5922,6 +6212,7 @@
           </a:bodyPr>
           <a:lstStyle/>
           <a:p>
+            <a:pPr algn="just"/>
             <a:r>
               <a:rPr lang="it-IT" dirty="0"/>
               <a:t>In the image on the </a:t>
@@ -6022,6 +6313,7 @@
           </a:bodyPr>
           <a:lstStyle/>
           <a:p>
+            <a:pPr algn="just"/>
             <a:r>
               <a:rPr lang="it-IT" dirty="0"/>
               <a:t>The Area Under the Curve (AUC) </a:t>
@@ -6165,6 +6457,7 @@
           </a:bodyPr>
           <a:lstStyle/>
           <a:p>
+            <a:pPr algn="just"/>
             <a:r>
               <a:rPr lang="it-IT" dirty="0"/>
               <a:t>The </a:t>
@@ -6297,6 +6590,7 @@
           </a:bodyPr>
           <a:lstStyle/>
           <a:p>
+            <a:pPr algn="just"/>
             <a:r>
               <a:rPr lang="it-IT" dirty="0"/>
               <a:t>For PET images, the Random </a:t>
@@ -6369,6 +6663,7 @@
           </a:bodyPr>
           <a:lstStyle/>
           <a:p>
+            <a:pPr algn="just"/>
             <a:r>
               <a:rPr lang="it-IT" dirty="0" err="1"/>
               <a:t>Again</a:t>
@@ -6425,6 +6720,7 @@
           </a:bodyPr>
           <a:lstStyle/>
           <a:p>
+            <a:pPr algn="just"/>
             <a:r>
               <a:rPr lang="it-IT" dirty="0" err="1"/>
               <a:t>This</a:t>
@@ -6506,7 +6802,11 @@
           <a:p>
             <a:r>
               <a:rPr lang="it-IT" dirty="0"/>
-              <a:t>Survival Curve</a:t>
+              <a:t>Survival </a:t>
+            </a:r>
+            <a:r>
+              <a:rPr lang="it-IT" dirty="0" err="1"/>
+              <a:t>Curves</a:t>
             </a:r>
             <a:endParaRPr lang="en-GB" dirty="0"/>
           </a:p>
@@ -6539,20 +6839,126 @@
         </p:blipFill>
         <p:spPr>
           <a:xfrm>
-            <a:off x="1097280" y="1908700"/>
-            <a:ext cx="5657095" cy="4274357"/>
+            <a:off x="262390" y="2009208"/>
+            <a:ext cx="5643331" cy="4263958"/>
           </a:xfrm>
           <a:prstGeom prst="rect">
             <a:avLst/>
           </a:prstGeom>
         </p:spPr>
       </p:pic>
-      <p:sp>
-        <p:nvSpPr>
-          <p:cNvPr id="7" name="CasellaDiTesto 6">
+      <p:pic>
+        <p:nvPicPr>
+          <p:cNvPr id="4" name="Immagine 3" descr="Immagine che contiene testo&#10;&#10;Descrizione generata automaticamente">
             <a:extLst>
               <a:ext uri="{FF2B5EF4-FFF2-40B4-BE49-F238E27FC236}">
-                <a16:creationId xmlns:a16="http://schemas.microsoft.com/office/drawing/2014/main" id="{B71166AA-7FC0-48F7-9D5B-82DEE9815138}"/>
+                <a16:creationId xmlns:a16="http://schemas.microsoft.com/office/drawing/2014/main" id="{F2A8A818-16C3-463F-8260-C27CF5FF71C0}"/>
+              </a:ext>
+            </a:extLst>
+          </p:cNvPr>
+          <p:cNvPicPr>
+            <a:picLocks noChangeAspect="1"/>
+          </p:cNvPicPr>
+          <p:nvPr/>
+        </p:nvPicPr>
+        <p:blipFill rotWithShape="1">
+          <a:blip r:embed="rId3">
+            <a:extLst>
+              <a:ext uri="{28A0092B-C50C-407E-A947-70E740481C1C}">
+                <a14:useLocalDpi xmlns:a14="http://schemas.microsoft.com/office/drawing/2010/main" val="0"/>
+              </a:ext>
+            </a:extLst>
+          </a:blip>
+          <a:srcRect t="6680" r="302"/>
+          <a:stretch/>
+        </p:blipFill>
+        <p:spPr>
+          <a:xfrm>
+            <a:off x="5905721" y="2009208"/>
+            <a:ext cx="5643332" cy="4263958"/>
+          </a:xfrm>
+          <a:prstGeom prst="rect">
+            <a:avLst/>
+          </a:prstGeom>
+        </p:spPr>
+      </p:pic>
+    </p:spTree>
+    <p:extLst>
+      <p:ext uri="{BB962C8B-B14F-4D97-AF65-F5344CB8AC3E}">
+        <p14:creationId xmlns:p14="http://schemas.microsoft.com/office/powerpoint/2010/main" val="1253087167"/>
+      </p:ext>
+    </p:extLst>
+  </p:cSld>
+  <p:clrMapOvr>
+    <a:masterClrMapping/>
+  </p:clrMapOvr>
+</p:sld>
+</file>
+
+<file path=ppt/slides/slide8.xml><?xml version="1.0" encoding="utf-8"?>
+<p:sld xmlns:a="http://schemas.openxmlformats.org/drawingml/2006/main" xmlns:r="http://schemas.openxmlformats.org/officeDocument/2006/relationships" xmlns:p="http://schemas.openxmlformats.org/presentationml/2006/main">
+  <p:cSld>
+    <p:spTree>
+      <p:nvGrpSpPr>
+        <p:cNvPr id="1" name=""/>
+        <p:cNvGrpSpPr/>
+        <p:nvPr/>
+      </p:nvGrpSpPr>
+      <p:grpSpPr>
+        <a:xfrm>
+          <a:off x="0" y="0"/>
+          <a:ext cx="0" cy="0"/>
+          <a:chOff x="0" y="0"/>
+          <a:chExt cx="0" cy="0"/>
+        </a:xfrm>
+      </p:grpSpPr>
+      <p:sp>
+        <p:nvSpPr>
+          <p:cNvPr id="2" name="Titolo 1">
+            <a:extLst>
+              <a:ext uri="{FF2B5EF4-FFF2-40B4-BE49-F238E27FC236}">
+                <a16:creationId xmlns:a16="http://schemas.microsoft.com/office/drawing/2014/main" id="{85255B28-6283-4FDD-840E-B4A9C3959F49}"/>
+              </a:ext>
+            </a:extLst>
+          </p:cNvPr>
+          <p:cNvSpPr>
+            <a:spLocks noGrp="1"/>
+          </p:cNvSpPr>
+          <p:nvPr>
+            <p:ph type="title"/>
+          </p:nvPr>
+        </p:nvSpPr>
+        <p:spPr/>
+        <p:txBody>
+          <a:bodyPr/>
+          <a:lstStyle/>
+          <a:p>
+            <a:r>
+              <a:rPr lang="it-IT" dirty="0" err="1"/>
+              <a:t>Cox's</a:t>
+            </a:r>
+            <a:r>
+              <a:rPr lang="it-IT" dirty="0"/>
+              <a:t> </a:t>
+            </a:r>
+            <a:r>
+              <a:rPr lang="it-IT" dirty="0" err="1"/>
+              <a:t>proportional</a:t>
+            </a:r>
+            <a:r>
+              <a:rPr lang="it-IT" dirty="0"/>
+              <a:t> hazard model</a:t>
+            </a:r>
+            <a:endParaRPr lang="en-GB" dirty="0"/>
+          </a:p>
+        </p:txBody>
+      </p:sp>
+      <p:sp>
+        <p:nvSpPr>
+          <p:cNvPr id="6" name="CasellaDiTesto 5">
+            <a:extLst>
+              <a:ext uri="{FF2B5EF4-FFF2-40B4-BE49-F238E27FC236}">
+                <a16:creationId xmlns:a16="http://schemas.microsoft.com/office/drawing/2014/main" id="{BF05992D-B30A-4083-9DA4-685252BBA262}"/>
               </a:ext>
             </a:extLst>
           </p:cNvPr>
@@ -6561,8 +6967,8 @@
         </p:nvSpPr>
         <p:spPr>
           <a:xfrm>
-            <a:off x="6754375" y="4938952"/>
-            <a:ext cx="3222594" cy="646331"/>
+            <a:off x="1097280" y="1979721"/>
+            <a:ext cx="10058401" cy="646331"/>
           </a:xfrm>
           <a:prstGeom prst="rect">
             <a:avLst/>
@@ -6578,7 +6984,388 @@
             <a:pPr algn="just"/>
             <a:r>
               <a:rPr lang="it-IT" dirty="0"/>
-              <a:t>The plot </a:t>
+              <a:t>To </a:t>
+            </a:r>
+            <a:r>
+              <a:rPr lang="it-IT" dirty="0" err="1"/>
+              <a:t>fit</a:t>
+            </a:r>
+            <a:r>
+              <a:rPr lang="it-IT" dirty="0"/>
+              <a:t> </a:t>
+            </a:r>
+            <a:r>
+              <a:rPr lang="it-IT" dirty="0" err="1"/>
+              <a:t>Cox's</a:t>
+            </a:r>
+            <a:r>
+              <a:rPr lang="it-IT" dirty="0"/>
+              <a:t> model to the data, features from CT images </a:t>
+            </a:r>
+            <a:r>
+              <a:rPr lang="it-IT" dirty="0" err="1"/>
+              <a:t>were</a:t>
+            </a:r>
+            <a:r>
+              <a:rPr lang="it-IT" dirty="0"/>
+              <a:t> </a:t>
+            </a:r>
+            <a:r>
+              <a:rPr lang="it-IT" dirty="0" err="1"/>
+              <a:t>used</a:t>
+            </a:r>
+            <a:r>
+              <a:rPr lang="it-IT" dirty="0"/>
+              <a:t>, </a:t>
+            </a:r>
+            <a:r>
+              <a:rPr lang="it-IT" dirty="0" err="1"/>
+              <a:t>because</a:t>
+            </a:r>
+            <a:r>
+              <a:rPr lang="it-IT" dirty="0"/>
+              <a:t> </a:t>
+            </a:r>
+            <a:r>
+              <a:rPr lang="it-IT" dirty="0" err="1"/>
+              <a:t>they</a:t>
+            </a:r>
+            <a:r>
+              <a:rPr lang="it-IT" dirty="0"/>
+              <a:t> </a:t>
+            </a:r>
+            <a:r>
+              <a:rPr lang="it-IT" dirty="0" err="1"/>
+              <a:t>gave</a:t>
+            </a:r>
+            <a:r>
+              <a:rPr lang="it-IT" dirty="0"/>
+              <a:t> the best </a:t>
+            </a:r>
+            <a:r>
+              <a:rPr lang="it-IT" dirty="0" err="1"/>
+              <a:t>results</a:t>
+            </a:r>
+            <a:r>
+              <a:rPr lang="it-IT" dirty="0"/>
+              <a:t> with the Random </a:t>
+            </a:r>
+            <a:r>
+              <a:rPr lang="it-IT" dirty="0" err="1"/>
+              <a:t>Forest</a:t>
+            </a:r>
+            <a:r>
+              <a:rPr lang="it-IT" dirty="0"/>
+              <a:t> </a:t>
+            </a:r>
+            <a:r>
+              <a:rPr lang="it-IT" dirty="0" err="1"/>
+              <a:t>Classifier</a:t>
+            </a:r>
+            <a:r>
+              <a:rPr lang="it-IT" dirty="0"/>
+              <a:t> (RFC). Features </a:t>
+            </a:r>
+            <a:r>
+              <a:rPr lang="it-IT" dirty="0" err="1"/>
+              <a:t>were</a:t>
+            </a:r>
+            <a:r>
+              <a:rPr lang="it-IT" dirty="0"/>
+              <a:t> </a:t>
+            </a:r>
+            <a:r>
+              <a:rPr lang="it-IT" dirty="0" err="1"/>
+              <a:t>reduced</a:t>
+            </a:r>
+            <a:r>
+              <a:rPr lang="it-IT" dirty="0"/>
+              <a:t> to 15 </a:t>
+            </a:r>
+            <a:r>
+              <a:rPr lang="it-IT" dirty="0" err="1"/>
+              <a:t>using</a:t>
+            </a:r>
+            <a:r>
+              <a:rPr lang="it-IT" dirty="0"/>
+              <a:t> the Random </a:t>
+            </a:r>
+            <a:r>
+              <a:rPr lang="it-IT" dirty="0" err="1"/>
+              <a:t>Forest</a:t>
+            </a:r>
+            <a:r>
+              <a:rPr lang="it-IT" dirty="0"/>
+              <a:t>.</a:t>
+            </a:r>
+          </a:p>
+        </p:txBody>
+      </p:sp>
+      <p:sp>
+        <p:nvSpPr>
+          <p:cNvPr id="7" name="CasellaDiTesto 6">
+            <a:extLst>
+              <a:ext uri="{FF2B5EF4-FFF2-40B4-BE49-F238E27FC236}">
+                <a16:creationId xmlns:a16="http://schemas.microsoft.com/office/drawing/2014/main" id="{747A7950-6184-4F13-A6F2-F6FA19E45E35}"/>
+              </a:ext>
+            </a:extLst>
+          </p:cNvPr>
+          <p:cNvSpPr txBox="1"/>
+          <p:nvPr/>
+        </p:nvSpPr>
+        <p:spPr>
+          <a:xfrm>
+            <a:off x="1097280" y="2868413"/>
+            <a:ext cx="10058400" cy="954107"/>
+          </a:xfrm>
+          <a:prstGeom prst="rect">
+            <a:avLst/>
+          </a:prstGeom>
+          <a:noFill/>
+        </p:spPr>
+        <p:txBody>
+          <a:bodyPr wrap="square" rtlCol="0">
+            <a:spAutoFit/>
+          </a:bodyPr>
+          <a:lstStyle/>
+          <a:p>
+            <a:pPr algn="just"/>
+            <a:r>
+              <a:rPr lang="it-IT" sz="2000" b="1" dirty="0" err="1"/>
+              <a:t>Problem</a:t>
+            </a:r>
+            <a:r>
+              <a:rPr lang="it-IT" sz="2000" b="1" dirty="0"/>
+              <a:t>: </a:t>
+            </a:r>
+            <a:r>
+              <a:rPr lang="it-IT" dirty="0" err="1"/>
+              <a:t>Each</a:t>
+            </a:r>
+            <a:r>
+              <a:rPr lang="it-IT" dirty="0"/>
+              <a:t> </a:t>
+            </a:r>
+            <a:r>
+              <a:rPr lang="it-IT" dirty="0" err="1"/>
+              <a:t>patient</a:t>
+            </a:r>
+            <a:r>
+              <a:rPr lang="it-IT" dirty="0"/>
+              <a:t> </a:t>
+            </a:r>
+            <a:r>
+              <a:rPr lang="it-IT" dirty="0" err="1"/>
+              <a:t>has</a:t>
+            </a:r>
+            <a:r>
+              <a:rPr lang="it-IT" dirty="0"/>
+              <a:t> a </a:t>
+            </a:r>
+            <a:r>
+              <a:rPr lang="it-IT" dirty="0" err="1"/>
+              <a:t>different</a:t>
+            </a:r>
+            <a:r>
+              <a:rPr lang="it-IT" dirty="0"/>
+              <a:t> </a:t>
+            </a:r>
+            <a:r>
+              <a:rPr lang="it-IT" dirty="0" err="1"/>
+              <a:t>number</a:t>
+            </a:r>
+            <a:r>
+              <a:rPr lang="it-IT" dirty="0"/>
+              <a:t> of </a:t>
+            </a:r>
+            <a:r>
+              <a:rPr lang="it-IT" dirty="0" err="1"/>
+              <a:t>associated</a:t>
+            </a:r>
+            <a:r>
+              <a:rPr lang="it-IT" dirty="0"/>
+              <a:t> CT images (from 1 to 15). </a:t>
+            </a:r>
+            <a:r>
+              <a:rPr lang="it-IT" dirty="0" err="1"/>
+              <a:t>All</a:t>
+            </a:r>
+            <a:r>
+              <a:rPr lang="it-IT" dirty="0"/>
+              <a:t> the images </a:t>
+            </a:r>
+            <a:r>
+              <a:rPr lang="it-IT" dirty="0" err="1"/>
+              <a:t>were</a:t>
+            </a:r>
+            <a:r>
+              <a:rPr lang="it-IT" dirty="0"/>
+              <a:t> </a:t>
+            </a:r>
+            <a:r>
+              <a:rPr lang="it-IT" dirty="0" err="1"/>
+              <a:t>used</a:t>
+            </a:r>
+            <a:r>
+              <a:rPr lang="it-IT" dirty="0"/>
+              <a:t> to </a:t>
+            </a:r>
+            <a:r>
+              <a:rPr lang="it-IT" dirty="0" err="1"/>
+              <a:t>train</a:t>
+            </a:r>
+            <a:r>
+              <a:rPr lang="it-IT" dirty="0"/>
+              <a:t> the RFC, </a:t>
+            </a:r>
+            <a:r>
+              <a:rPr lang="it-IT" dirty="0" err="1"/>
+              <a:t>but</a:t>
+            </a:r>
+            <a:r>
+              <a:rPr lang="it-IT" dirty="0"/>
+              <a:t> </a:t>
+            </a:r>
+            <a:r>
+              <a:rPr lang="it-IT" dirty="0" err="1"/>
+              <a:t>only</a:t>
+            </a:r>
+            <a:r>
+              <a:rPr lang="it-IT" dirty="0"/>
+              <a:t> one image per </a:t>
+            </a:r>
+            <a:r>
+              <a:rPr lang="it-IT" dirty="0" err="1"/>
+              <a:t>patient</a:t>
+            </a:r>
+            <a:r>
+              <a:rPr lang="it-IT" dirty="0"/>
+              <a:t> can be </a:t>
+            </a:r>
+            <a:r>
+              <a:rPr lang="it-IT" dirty="0" err="1"/>
+              <a:t>used</a:t>
+            </a:r>
+            <a:r>
+              <a:rPr lang="it-IT" dirty="0"/>
+              <a:t> for the survival curve, </a:t>
+            </a:r>
+            <a:r>
+              <a:rPr lang="it-IT" dirty="0" err="1"/>
+              <a:t>otherwise</a:t>
+            </a:r>
+            <a:r>
+              <a:rPr lang="it-IT" dirty="0"/>
+              <a:t> </a:t>
+            </a:r>
+            <a:r>
+              <a:rPr lang="it-IT" dirty="0" err="1"/>
+              <a:t>patients</a:t>
+            </a:r>
+            <a:r>
+              <a:rPr lang="it-IT" dirty="0"/>
+              <a:t> with more images </a:t>
+            </a:r>
+            <a:r>
+              <a:rPr lang="it-IT" dirty="0" err="1"/>
+              <a:t>would</a:t>
+            </a:r>
+            <a:r>
+              <a:rPr lang="it-IT" dirty="0"/>
+              <a:t> </a:t>
+            </a:r>
+            <a:r>
+              <a:rPr lang="it-IT" dirty="0" err="1"/>
+              <a:t>correspond</a:t>
+            </a:r>
+            <a:r>
+              <a:rPr lang="it-IT" dirty="0"/>
+              <a:t> to more </a:t>
+            </a:r>
+            <a:r>
+              <a:rPr lang="it-IT" dirty="0" err="1"/>
+              <a:t>occurrences</a:t>
+            </a:r>
+            <a:r>
+              <a:rPr lang="it-IT" dirty="0"/>
+              <a:t>.</a:t>
+            </a:r>
+            <a:endParaRPr lang="en-GB" sz="2000" b="1" dirty="0"/>
+          </a:p>
+        </p:txBody>
+      </p:sp>
+      <p:sp>
+        <p:nvSpPr>
+          <p:cNvPr id="8" name="CasellaDiTesto 7">
+            <a:extLst>
+              <a:ext uri="{FF2B5EF4-FFF2-40B4-BE49-F238E27FC236}">
+                <a16:creationId xmlns:a16="http://schemas.microsoft.com/office/drawing/2014/main" id="{6F8DD7E3-8FEE-4542-A6E8-1B3E91BF8053}"/>
+              </a:ext>
+            </a:extLst>
+          </p:cNvPr>
+          <p:cNvSpPr txBox="1"/>
+          <p:nvPr/>
+        </p:nvSpPr>
+        <p:spPr>
+          <a:xfrm>
+            <a:off x="1097281" y="4064881"/>
+            <a:ext cx="10058400" cy="369332"/>
+          </a:xfrm>
+          <a:prstGeom prst="rect">
+            <a:avLst/>
+          </a:prstGeom>
+          <a:noFill/>
+        </p:spPr>
+        <p:txBody>
+          <a:bodyPr wrap="square" rtlCol="0">
+            <a:spAutoFit/>
+          </a:bodyPr>
+          <a:lstStyle/>
+          <a:p>
+            <a:pPr algn="just"/>
+            <a:r>
+              <a:rPr lang="it-IT" b="1" dirty="0"/>
+              <a:t>My </a:t>
+            </a:r>
+            <a:r>
+              <a:rPr lang="it-IT" b="1" dirty="0" err="1"/>
+              <a:t>approach</a:t>
+            </a:r>
+            <a:r>
+              <a:rPr lang="it-IT" dirty="0"/>
+              <a:t>: the </a:t>
+            </a:r>
+            <a:r>
+              <a:rPr lang="it-IT" dirty="0" err="1"/>
+              <a:t>average</a:t>
+            </a:r>
+            <a:r>
+              <a:rPr lang="it-IT" dirty="0"/>
+              <a:t> </a:t>
+            </a:r>
+            <a:r>
+              <a:rPr lang="it-IT" dirty="0" err="1"/>
+              <a:t>value</a:t>
+            </a:r>
+            <a:r>
+              <a:rPr lang="it-IT" dirty="0"/>
+              <a:t> over </a:t>
+            </a:r>
+            <a:r>
+              <a:rPr lang="it-IT" dirty="0" err="1"/>
+              <a:t>all</a:t>
+            </a:r>
+            <a:r>
+              <a:rPr lang="it-IT" dirty="0"/>
+              <a:t> the images of a </a:t>
+            </a:r>
+            <a:r>
+              <a:rPr lang="it-IT" dirty="0" err="1"/>
+              <a:t>patient</a:t>
+            </a:r>
+            <a:r>
+              <a:rPr lang="it-IT" dirty="0"/>
+              <a:t> </a:t>
             </a:r>
             <a:r>
               <a:rPr lang="it-IT" dirty="0" err="1"/>
@@ -6590,6 +7377,127 @@
             </a:r>
             <a:r>
               <a:rPr lang="it-IT" dirty="0" err="1"/>
+              <a:t>computed</a:t>
+            </a:r>
+            <a:r>
+              <a:rPr lang="it-IT" dirty="0"/>
+              <a:t> for </a:t>
+            </a:r>
+            <a:r>
+              <a:rPr lang="it-IT" dirty="0" err="1"/>
+              <a:t>every</a:t>
+            </a:r>
+            <a:r>
+              <a:rPr lang="it-IT" dirty="0"/>
+              <a:t> feature.</a:t>
+            </a:r>
+            <a:endParaRPr lang="en-GB" b="1" dirty="0"/>
+          </a:p>
+        </p:txBody>
+      </p:sp>
+      <p:sp>
+        <p:nvSpPr>
+          <p:cNvPr id="9" name="CasellaDiTesto 8">
+            <a:extLst>
+              <a:ext uri="{FF2B5EF4-FFF2-40B4-BE49-F238E27FC236}">
+                <a16:creationId xmlns:a16="http://schemas.microsoft.com/office/drawing/2014/main" id="{A901F733-BE94-4D62-977B-7B3A8948B816}"/>
+              </a:ext>
+            </a:extLst>
+          </p:cNvPr>
+          <p:cNvSpPr txBox="1"/>
+          <p:nvPr/>
+        </p:nvSpPr>
+        <p:spPr>
+          <a:xfrm>
+            <a:off x="1097281" y="4749387"/>
+            <a:ext cx="10058400" cy="646331"/>
+          </a:xfrm>
+          <a:prstGeom prst="rect">
+            <a:avLst/>
+          </a:prstGeom>
+          <a:noFill/>
+        </p:spPr>
+        <p:txBody>
+          <a:bodyPr wrap="square" rtlCol="0">
+            <a:spAutoFit/>
+          </a:bodyPr>
+          <a:lstStyle/>
+          <a:p>
+            <a:pPr algn="just"/>
+            <a:r>
+              <a:rPr lang="it-IT" dirty="0"/>
+              <a:t>In the end, the</a:t>
+            </a:r>
+            <a:r>
+              <a:rPr lang="it-IT" i="1" dirty="0"/>
+              <a:t> </a:t>
+            </a:r>
+            <a:r>
+              <a:rPr lang="it-IT" i="1" dirty="0" err="1"/>
+              <a:t>concordance</a:t>
+            </a:r>
+            <a:r>
+              <a:rPr lang="it-IT" i="1" dirty="0"/>
+              <a:t> index </a:t>
+            </a:r>
+            <a:r>
+              <a:rPr lang="it-IT" dirty="0" err="1"/>
+              <a:t>was</a:t>
+            </a:r>
+            <a:r>
+              <a:rPr lang="it-IT" dirty="0"/>
+              <a:t> </a:t>
+            </a:r>
+            <a:r>
+              <a:rPr lang="it-IT" dirty="0" err="1"/>
+              <a:t>used</a:t>
+            </a:r>
+            <a:r>
+              <a:rPr lang="it-IT" dirty="0"/>
+              <a:t> </a:t>
+            </a:r>
+            <a:r>
+              <a:rPr lang="it-IT" dirty="0" err="1"/>
+              <a:t>as</a:t>
+            </a:r>
+            <a:r>
+              <a:rPr lang="it-IT" dirty="0"/>
+              <a:t> a </a:t>
+            </a:r>
+            <a:r>
+              <a:rPr lang="it-IT" dirty="0" err="1"/>
+              <a:t>measure</a:t>
+            </a:r>
+            <a:r>
+              <a:rPr lang="it-IT" dirty="0"/>
+              <a:t> of the </a:t>
+            </a:r>
+            <a:r>
+              <a:rPr lang="it-IT" dirty="0" err="1"/>
+              <a:t>goodness</a:t>
+            </a:r>
+            <a:r>
+              <a:rPr lang="it-IT" dirty="0"/>
+              <a:t> of the </a:t>
+            </a:r>
+            <a:r>
+              <a:rPr lang="it-IT" dirty="0" err="1"/>
+              <a:t>fit</a:t>
+            </a:r>
+            <a:r>
+              <a:rPr lang="it-IT" dirty="0"/>
+              <a:t>; the </a:t>
+            </a:r>
+            <a:r>
+              <a:rPr lang="it-IT" dirty="0" err="1"/>
+              <a:t>value</a:t>
+            </a:r>
+            <a:r>
+              <a:rPr lang="it-IT" dirty="0"/>
+              <a:t> </a:t>
+            </a:r>
+            <a:r>
+              <a:rPr lang="it-IT" dirty="0" err="1"/>
               <a:t>obtained</a:t>
             </a:r>
             <a:r>
@@ -6598,20 +7506,327 @@
             </a:r>
             <a:r>
               <a:rPr lang="it-IT" dirty="0" err="1"/>
-              <a:t>using</a:t>
-            </a:r>
-            <a:r>
-              <a:rPr lang="it-IT" dirty="0"/>
-              <a:t> the Kaplan-Meier estimator. </a:t>
-            </a:r>
-            <a:endParaRPr lang="en-GB" dirty="0"/>
+              <a:t>is</a:t>
+            </a:r>
+            <a:r>
+              <a:rPr lang="it-IT" dirty="0"/>
+              <a:t> 0.74.</a:t>
+            </a:r>
+            <a:r>
+              <a:rPr lang="it-IT" i="1" dirty="0"/>
+              <a:t> </a:t>
+            </a:r>
+            <a:endParaRPr lang="en-GB" i="1" dirty="0"/>
           </a:p>
         </p:txBody>
       </p:sp>
     </p:spTree>
     <p:extLst>
       <p:ext uri="{BB962C8B-B14F-4D97-AF65-F5344CB8AC3E}">
-        <p14:creationId xmlns:p14="http://schemas.microsoft.com/office/powerpoint/2010/main" val="1253087167"/>
+        <p14:creationId xmlns:p14="http://schemas.microsoft.com/office/powerpoint/2010/main" val="1886873411"/>
+      </p:ext>
+    </p:extLst>
+  </p:cSld>
+  <p:clrMapOvr>
+    <a:masterClrMapping/>
+  </p:clrMapOvr>
+  <p:timing>
+    <p:tnLst>
+      <p:par>
+        <p:cTn id="1" dur="indefinite" restart="never" nodeType="tmRoot">
+          <p:childTnLst>
+            <p:seq concurrent="1" nextAc="seek">
+              <p:cTn id="2" dur="indefinite" nodeType="mainSeq">
+                <p:childTnLst>
+                  <p:par>
+                    <p:cTn id="3" fill="hold">
+                      <p:stCondLst>
+                        <p:cond delay="indefinite"/>
+                      </p:stCondLst>
+                      <p:childTnLst>
+                        <p:par>
+                          <p:cTn id="4" fill="hold">
+                            <p:stCondLst>
+                              <p:cond delay="0"/>
+                            </p:stCondLst>
+                            <p:childTnLst>
+                              <p:par>
+                                <p:cTn id="5" presetID="1" presetClass="entr" presetSubtype="0" fill="hold" grpId="0" nodeType="clickEffect">
+                                  <p:stCondLst>
+                                    <p:cond delay="0"/>
+                                  </p:stCondLst>
+                                  <p:childTnLst>
+                                    <p:set>
+                                      <p:cBhvr>
+                                        <p:cTn id="6" dur="1" fill="hold">
+                                          <p:stCondLst>
+                                            <p:cond delay="0"/>
+                                          </p:stCondLst>
+                                        </p:cTn>
+                                        <p:tgtEl>
+                                          <p:spTgt spid="8"/>
+                                        </p:tgtEl>
+                                        <p:attrNameLst>
+                                          <p:attrName>style.visibility</p:attrName>
+                                        </p:attrNameLst>
+                                      </p:cBhvr>
+                                      <p:to>
+                                        <p:strVal val="visible"/>
+                                      </p:to>
+                                    </p:set>
+                                  </p:childTnLst>
+                                </p:cTn>
+                              </p:par>
+                            </p:childTnLst>
+                          </p:cTn>
+                        </p:par>
+                      </p:childTnLst>
+                    </p:cTn>
+                  </p:par>
+                  <p:par>
+                    <p:cTn id="7" fill="hold">
+                      <p:stCondLst>
+                        <p:cond delay="indefinite"/>
+                      </p:stCondLst>
+                      <p:childTnLst>
+                        <p:par>
+                          <p:cTn id="8" fill="hold">
+                            <p:stCondLst>
+                              <p:cond delay="0"/>
+                            </p:stCondLst>
+                            <p:childTnLst>
+                              <p:par>
+                                <p:cTn id="9" presetID="1" presetClass="entr" presetSubtype="0" fill="hold" grpId="0" nodeType="clickEffect">
+                                  <p:stCondLst>
+                                    <p:cond delay="0"/>
+                                  </p:stCondLst>
+                                  <p:childTnLst>
+                                    <p:set>
+                                      <p:cBhvr>
+                                        <p:cTn id="10" dur="1" fill="hold">
+                                          <p:stCondLst>
+                                            <p:cond delay="0"/>
+                                          </p:stCondLst>
+                                        </p:cTn>
+                                        <p:tgtEl>
+                                          <p:spTgt spid="9"/>
+                                        </p:tgtEl>
+                                        <p:attrNameLst>
+                                          <p:attrName>style.visibility</p:attrName>
+                                        </p:attrNameLst>
+                                      </p:cBhvr>
+                                      <p:to>
+                                        <p:strVal val="visible"/>
+                                      </p:to>
+                                    </p:set>
+                                  </p:childTnLst>
+                                </p:cTn>
+                              </p:par>
+                            </p:childTnLst>
+                          </p:cTn>
+                        </p:par>
+                      </p:childTnLst>
+                    </p:cTn>
+                  </p:par>
+                </p:childTnLst>
+              </p:cTn>
+              <p:prevCondLst>
+                <p:cond evt="onPrev" delay="0">
+                  <p:tgtEl>
+                    <p:sldTgt/>
+                  </p:tgtEl>
+                </p:cond>
+              </p:prevCondLst>
+              <p:nextCondLst>
+                <p:cond evt="onNext" delay="0">
+                  <p:tgtEl>
+                    <p:sldTgt/>
+                  </p:tgtEl>
+                </p:cond>
+              </p:nextCondLst>
+            </p:seq>
+          </p:childTnLst>
+        </p:cTn>
+      </p:par>
+    </p:tnLst>
+    <p:bldLst>
+      <p:bldP spid="8" grpId="0"/>
+      <p:bldP spid="9" grpId="0"/>
+    </p:bldLst>
+  </p:timing>
+</p:sld>
+</file>
+
+<file path=ppt/slides/slide9.xml><?xml version="1.0" encoding="utf-8"?>
+<p:sld xmlns:a="http://schemas.openxmlformats.org/drawingml/2006/main" xmlns:r="http://schemas.openxmlformats.org/officeDocument/2006/relationships" xmlns:p="http://schemas.openxmlformats.org/presentationml/2006/main">
+  <p:cSld>
+    <p:spTree>
+      <p:nvGrpSpPr>
+        <p:cNvPr id="1" name=""/>
+        <p:cNvGrpSpPr/>
+        <p:nvPr/>
+      </p:nvGrpSpPr>
+      <p:grpSpPr>
+        <a:xfrm>
+          <a:off x="0" y="0"/>
+          <a:ext cx="0" cy="0"/>
+          <a:chOff x="0" y="0"/>
+          <a:chExt cx="0" cy="0"/>
+        </a:xfrm>
+      </p:grpSpPr>
+      <p:sp>
+        <p:nvSpPr>
+          <p:cNvPr id="2" name="Titolo 1">
+            <a:extLst>
+              <a:ext uri="{FF2B5EF4-FFF2-40B4-BE49-F238E27FC236}">
+                <a16:creationId xmlns:a16="http://schemas.microsoft.com/office/drawing/2014/main" id="{95BB1773-22EF-468C-84B9-9FA53949907D}"/>
+              </a:ext>
+            </a:extLst>
+          </p:cNvPr>
+          <p:cNvSpPr>
+            <a:spLocks noGrp="1"/>
+          </p:cNvSpPr>
+          <p:nvPr>
+            <p:ph type="title"/>
+          </p:nvPr>
+        </p:nvSpPr>
+        <p:spPr/>
+        <p:txBody>
+          <a:bodyPr/>
+          <a:lstStyle/>
+          <a:p>
+            <a:endParaRPr lang="en-GB"/>
+          </a:p>
+        </p:txBody>
+      </p:sp>
+      <p:pic>
+        <p:nvPicPr>
+          <p:cNvPr id="8" name="Segnaposto contenuto 7" descr="Immagine che contiene computer, stanza, parcheggiato&#10;&#10;Descrizione generata automaticamente">
+            <a:extLst>
+              <a:ext uri="{FF2B5EF4-FFF2-40B4-BE49-F238E27FC236}">
+                <a16:creationId xmlns:a16="http://schemas.microsoft.com/office/drawing/2014/main" id="{4E0A877B-C2CC-41E3-83DC-652138492E97}"/>
+              </a:ext>
+            </a:extLst>
+          </p:cNvPr>
+          <p:cNvPicPr>
+            <a:picLocks noGrp="1" noChangeAspect="1"/>
+          </p:cNvPicPr>
+          <p:nvPr>
+            <p:ph idx="1"/>
+          </p:nvPr>
+        </p:nvPicPr>
+        <p:blipFill rotWithShape="1">
+          <a:blip r:embed="rId2">
+            <a:extLst>
+              <a:ext uri="{28A0092B-C50C-407E-A947-70E740481C1C}">
+                <a14:useLocalDpi xmlns:a14="http://schemas.microsoft.com/office/drawing/2010/main" val="0"/>
+              </a:ext>
+            </a:extLst>
+          </a:blip>
+          <a:srcRect l="8601"/>
+          <a:stretch/>
+        </p:blipFill>
+        <p:spPr>
+          <a:xfrm>
+            <a:off x="0" y="0"/>
+            <a:ext cx="12192000" cy="6858000"/>
+          </a:xfrm>
+        </p:spPr>
+      </p:pic>
+      <p:sp>
+        <p:nvSpPr>
+          <p:cNvPr id="9" name="CasellaDiTesto 8">
+            <a:extLst>
+              <a:ext uri="{FF2B5EF4-FFF2-40B4-BE49-F238E27FC236}">
+                <a16:creationId xmlns:a16="http://schemas.microsoft.com/office/drawing/2014/main" id="{4C4EE0C9-F00E-4061-B714-586195EBBBC6}"/>
+              </a:ext>
+            </a:extLst>
+          </p:cNvPr>
+          <p:cNvSpPr txBox="1"/>
+          <p:nvPr/>
+        </p:nvSpPr>
+        <p:spPr>
+          <a:xfrm>
+            <a:off x="7315199" y="5388746"/>
+            <a:ext cx="4669655" cy="646331"/>
+          </a:xfrm>
+          <a:prstGeom prst="rect">
+            <a:avLst/>
+          </a:prstGeom>
+          <a:noFill/>
+        </p:spPr>
+        <p:txBody>
+          <a:bodyPr wrap="square" rtlCol="0">
+            <a:spAutoFit/>
+          </a:bodyPr>
+          <a:lstStyle/>
+          <a:p>
+            <a:r>
+              <a:rPr lang="en-GB" dirty="0"/>
+              <a:t> Coefficients of Cox’s proportional hazard model</a:t>
+            </a:r>
+          </a:p>
+          <a:p>
+            <a:endParaRPr lang="en-GB" dirty="0"/>
+          </a:p>
+        </p:txBody>
+      </p:sp>
+      <p:sp>
+        <p:nvSpPr>
+          <p:cNvPr id="10" name="Rettangolo con angoli arrotondati 9">
+            <a:extLst>
+              <a:ext uri="{FF2B5EF4-FFF2-40B4-BE49-F238E27FC236}">
+                <a16:creationId xmlns:a16="http://schemas.microsoft.com/office/drawing/2014/main" id="{E5BE169F-B8AA-4E91-BB2E-48B80F6F033B}"/>
+              </a:ext>
+            </a:extLst>
+          </p:cNvPr>
+          <p:cNvSpPr/>
+          <p:nvPr/>
+        </p:nvSpPr>
+        <p:spPr>
+          <a:xfrm>
+            <a:off x="7412853" y="5308847"/>
+            <a:ext cx="4483225" cy="559293"/>
+          </a:xfrm>
+          <a:prstGeom prst="roundRect">
+            <a:avLst/>
+          </a:prstGeom>
+          <a:noFill/>
+          <a:ln w="38100">
+            <a:solidFill>
+              <a:schemeClr val="accent1"/>
+            </a:solidFill>
+          </a:ln>
+        </p:spPr>
+        <p:style>
+          <a:lnRef idx="2">
+            <a:schemeClr val="accent1">
+              <a:shade val="50000"/>
+            </a:schemeClr>
+          </a:lnRef>
+          <a:fillRef idx="1">
+            <a:schemeClr val="accent1"/>
+          </a:fillRef>
+          <a:effectRef idx="0">
+            <a:schemeClr val="accent1"/>
+          </a:effectRef>
+          <a:fontRef idx="minor">
+            <a:schemeClr val="lt1"/>
+          </a:fontRef>
+        </p:style>
+        <p:txBody>
+          <a:bodyPr rtlCol="0" anchor="ctr"/>
+          <a:lstStyle/>
+          <a:p>
+            <a:pPr algn="ctr"/>
+            <a:endParaRPr lang="en-GB"/>
+          </a:p>
+        </p:txBody>
+      </p:sp>
+    </p:spTree>
+    <p:extLst>
+      <p:ext uri="{BB962C8B-B14F-4D97-AF65-F5344CB8AC3E}">
+        <p14:creationId xmlns:p14="http://schemas.microsoft.com/office/powerpoint/2010/main" val="2438207396"/>
       </p:ext>
     </p:extLst>
   </p:cSld>

--- a/Pattern Recognition.pptx
+++ b/Pattern Recognition.pptx
@@ -14,7 +14,8 @@
     <p:sldId id="262" r:id="rId8"/>
     <p:sldId id="265" r:id="rId9"/>
     <p:sldId id="264" r:id="rId10"/>
-    <p:sldId id="266" r:id="rId11"/>
+    <p:sldId id="267" r:id="rId11"/>
+    <p:sldId id="266" r:id="rId12"/>
   </p:sldIdLst>
   <p:sldSz cx="12192000" cy="6858000"/>
   <p:notesSz cx="6858000" cy="9144000"/>
@@ -3933,12 +3934,126 @@
           <a:chExt cx="0" cy="0"/>
         </a:xfrm>
       </p:grpSpPr>
+      <p:sp>
+        <p:nvSpPr>
+          <p:cNvPr id="16" name="Rettangolo 15">
+            <a:extLst>
+              <a:ext uri="{FF2B5EF4-FFF2-40B4-BE49-F238E27FC236}">
+                <a16:creationId xmlns:a16="http://schemas.microsoft.com/office/drawing/2014/main" id="{4026C031-9159-45E6-A22D-8882E636E49E}"/>
+              </a:ext>
+            </a:extLst>
+          </p:cNvPr>
+          <p:cNvSpPr/>
+          <p:nvPr/>
+        </p:nvSpPr>
+        <p:spPr>
+          <a:xfrm>
+            <a:off x="1171852" y="1686757"/>
+            <a:ext cx="10191565" cy="213064"/>
+          </a:xfrm>
+          <a:prstGeom prst="rect">
+            <a:avLst/>
+          </a:prstGeom>
+          <a:solidFill>
+            <a:schemeClr val="bg1"/>
+          </a:solidFill>
+          <a:ln>
+            <a:solidFill>
+              <a:schemeClr val="bg1"/>
+            </a:solidFill>
+          </a:ln>
+        </p:spPr>
+        <p:style>
+          <a:lnRef idx="2">
+            <a:schemeClr val="accent1">
+              <a:shade val="50000"/>
+            </a:schemeClr>
+          </a:lnRef>
+          <a:fillRef idx="1">
+            <a:schemeClr val="accent1"/>
+          </a:fillRef>
+          <a:effectRef idx="0">
+            <a:schemeClr val="accent1"/>
+          </a:effectRef>
+          <a:fontRef idx="minor">
+            <a:schemeClr val="lt1"/>
+          </a:fontRef>
+        </p:style>
+        <p:txBody>
+          <a:bodyPr rtlCol="0" anchor="ctr"/>
+          <a:lstStyle/>
+          <a:p>
+            <a:pPr algn="ctr"/>
+            <a:endParaRPr lang="en-US"/>
+          </a:p>
+        </p:txBody>
+      </p:sp>
       <p:pic>
         <p:nvPicPr>
-          <p:cNvPr id="5" name="Immagine 4" descr="Immagine che contiene testo, mappa&#10;&#10;Descrizione generata automaticamente">
+          <p:cNvPr id="18" name="Immagine 17">
             <a:extLst>
               <a:ext uri="{FF2B5EF4-FFF2-40B4-BE49-F238E27FC236}">
-                <a16:creationId xmlns:a16="http://schemas.microsoft.com/office/drawing/2014/main" id="{E309AA06-BC0F-4973-AACA-2C8691C2DDE9}"/>
+                <a16:creationId xmlns:a16="http://schemas.microsoft.com/office/drawing/2014/main" id="{47CC21A8-554E-4DBD-84AC-12842C4C8D0C}"/>
+              </a:ext>
+            </a:extLst>
+          </p:cNvPr>
+          <p:cNvPicPr>
+            <a:picLocks noChangeAspect="1"/>
+          </p:cNvPicPr>
+          <p:nvPr/>
+        </p:nvPicPr>
+        <p:blipFill>
+          <a:blip r:embed="rId2"/>
+          <a:stretch>
+            <a:fillRect/>
+          </a:stretch>
+        </p:blipFill>
+        <p:spPr>
+          <a:xfrm>
+            <a:off x="0" y="932155"/>
+            <a:ext cx="12187867" cy="4570346"/>
+          </a:xfrm>
+          <a:prstGeom prst="rect">
+            <a:avLst/>
+          </a:prstGeom>
+        </p:spPr>
+      </p:pic>
+    </p:spTree>
+    <p:extLst>
+      <p:ext uri="{BB962C8B-B14F-4D97-AF65-F5344CB8AC3E}">
+        <p14:creationId xmlns:p14="http://schemas.microsoft.com/office/powerpoint/2010/main" val="1719098934"/>
+      </p:ext>
+    </p:extLst>
+  </p:cSld>
+  <p:clrMapOvr>
+    <a:masterClrMapping/>
+  </p:clrMapOvr>
+</p:sld>
+</file>
+
+<file path=ppt/slides/slide11.xml><?xml version="1.0" encoding="utf-8"?>
+<p:sld xmlns:a="http://schemas.openxmlformats.org/drawingml/2006/main" xmlns:r="http://schemas.openxmlformats.org/officeDocument/2006/relationships" xmlns:p="http://schemas.openxmlformats.org/presentationml/2006/main">
+  <p:cSld>
+    <p:spTree>
+      <p:nvGrpSpPr>
+        <p:cNvPr id="1" name=""/>
+        <p:cNvGrpSpPr/>
+        <p:nvPr/>
+      </p:nvGrpSpPr>
+      <p:grpSpPr>
+        <a:xfrm>
+          <a:off x="0" y="0"/>
+          <a:ext cx="0" cy="0"/>
+          <a:chOff x="0" y="0"/>
+          <a:chExt cx="0" cy="0"/>
+        </a:xfrm>
+      </p:grpSpPr>
+      <p:pic>
+        <p:nvPicPr>
+          <p:cNvPr id="6" name="Immagine 5" descr="Immagine che contiene testo, mappa&#10;&#10;Descrizione generata automaticamente">
+            <a:extLst>
+              <a:ext uri="{FF2B5EF4-FFF2-40B4-BE49-F238E27FC236}">
+                <a16:creationId xmlns:a16="http://schemas.microsoft.com/office/drawing/2014/main" id="{5F98352C-8109-4A57-A80E-9EA065F68B3A}"/>
               </a:ext>
             </a:extLst>
           </p:cNvPr>
@@ -4025,10 +4140,9 @@
               <a:t>Data </a:t>
             </a:r>
             <a:r>
-              <a:rPr lang="it-IT" dirty="0" err="1"/>
+              <a:rPr lang="en-US" dirty="0"/>
               <a:t>Wrangling</a:t>
             </a:r>
-            <a:endParaRPr lang="it-IT" dirty="0"/>
           </a:p>
         </p:txBody>
       </p:sp>
@@ -4101,7 +4215,7 @@
             <a:p>
               <a:pPr algn="just"/>
               <a:r>
-                <a:rPr lang="it-IT" dirty="0" err="1">
+                <a:rPr lang="en-US" dirty="0">
                   <a:solidFill>
                     <a:schemeClr val="tx1"/>
                   </a:solidFill>
@@ -4131,18 +4245,13 @@
                 <a:t>114 </a:t>
               </a:r>
               <a:r>
-                <a:rPr lang="it-IT" dirty="0" err="1">
+                <a:rPr lang="en-US" dirty="0">
                   <a:solidFill>
                     <a:schemeClr val="tx1"/>
                   </a:solidFill>
                 </a:rPr>
                 <a:t>patients</a:t>
               </a:r>
-              <a:endParaRPr lang="it-IT" dirty="0">
-                <a:solidFill>
-                  <a:schemeClr val="tx1"/>
-                </a:solidFill>
-              </a:endParaRPr>
             </a:p>
             <a:p>
               <a:pPr marL="285750" indent="-285750" algn="just">
@@ -4378,7 +4487,7 @@
           <p:spPr>
             <a:xfrm>
               <a:off x="4355280" y="2844346"/>
-              <a:ext cx="3420488" cy="1061829"/>
+              <a:ext cx="3520707" cy="1061829"/>
             </a:xfrm>
             <a:prstGeom prst="rect">
               <a:avLst/>
@@ -4417,15 +4526,7 @@
               </a:pPr>
               <a:r>
                 <a:rPr lang="en-GB" sz="1500" dirty="0"/>
-                <a:t>Dropping </a:t>
-              </a:r>
-              <a:r>
-                <a:rPr lang="en-GB" sz="1500" dirty="0" err="1"/>
-                <a:t>patiets</a:t>
-              </a:r>
-              <a:r>
-                <a:rPr lang="en-GB" sz="1500" dirty="0"/>
-                <a:t> with #features ≠ 114</a:t>
+                <a:t>Dropping patients with #features ≠ 114</a:t>
               </a:r>
             </a:p>
             <a:p>
